--- a/images/diagram.pptx
+++ b/images/diagram.pptx
@@ -2,18 +2,18 @@
 <file path=ppt/presentation.xml><?xml version="1.0" encoding="utf-8"?>
 <p:presentation xmlns:a="http://schemas.openxmlformats.org/drawingml/2006/main" xmlns:r="http://schemas.openxmlformats.org/officeDocument/2006/relationships" xmlns:p="http://schemas.openxmlformats.org/presentationml/2006/main" saveSubsetFonts="1" autoCompressPictures="0">
   <p:sldMasterIdLst>
-    <p:sldMasterId id="2147483648" r:id="rId1"/>
+    <p:sldMasterId id="2147483660" r:id="rId1"/>
   </p:sldMasterIdLst>
   <p:sldIdLst>
     <p:sldId id="256" r:id="rId2"/>
   </p:sldIdLst>
-  <p:sldSz cx="12192000" cy="6858000"/>
+  <p:sldSz cx="4608513" cy="2303463"/>
   <p:notesSz cx="6858000" cy="9144000"/>
   <p:defaultTextStyle>
     <a:defPPr>
       <a:defRPr lang="en-US"/>
     </a:defPPr>
-    <a:lvl1pPr marL="0" algn="l" defTabSz="914400" rtl="0" eaLnBrk="1" latinLnBrk="0" hangingPunct="1">
+    <a:lvl1pPr marL="0" algn="l" defTabSz="457200" rtl="0" eaLnBrk="1" latinLnBrk="0" hangingPunct="1">
       <a:defRPr sz="1800" kern="1200">
         <a:solidFill>
           <a:schemeClr val="tx1"/>
@@ -23,7 +23,7 @@
         <a:cs typeface="+mn-cs"/>
       </a:defRPr>
     </a:lvl1pPr>
-    <a:lvl2pPr marL="457200" algn="l" defTabSz="914400" rtl="0" eaLnBrk="1" latinLnBrk="0" hangingPunct="1">
+    <a:lvl2pPr marL="457200" algn="l" defTabSz="457200" rtl="0" eaLnBrk="1" latinLnBrk="0" hangingPunct="1">
       <a:defRPr sz="1800" kern="1200">
         <a:solidFill>
           <a:schemeClr val="tx1"/>
@@ -33,7 +33,7 @@
         <a:cs typeface="+mn-cs"/>
       </a:defRPr>
     </a:lvl2pPr>
-    <a:lvl3pPr marL="914400" algn="l" defTabSz="914400" rtl="0" eaLnBrk="1" latinLnBrk="0" hangingPunct="1">
+    <a:lvl3pPr marL="914400" algn="l" defTabSz="457200" rtl="0" eaLnBrk="1" latinLnBrk="0" hangingPunct="1">
       <a:defRPr sz="1800" kern="1200">
         <a:solidFill>
           <a:schemeClr val="tx1"/>
@@ -43,7 +43,7 @@
         <a:cs typeface="+mn-cs"/>
       </a:defRPr>
     </a:lvl3pPr>
-    <a:lvl4pPr marL="1371600" algn="l" defTabSz="914400" rtl="0" eaLnBrk="1" latinLnBrk="0" hangingPunct="1">
+    <a:lvl4pPr marL="1371600" algn="l" defTabSz="457200" rtl="0" eaLnBrk="1" latinLnBrk="0" hangingPunct="1">
       <a:defRPr sz="1800" kern="1200">
         <a:solidFill>
           <a:schemeClr val="tx1"/>
@@ -53,7 +53,7 @@
         <a:cs typeface="+mn-cs"/>
       </a:defRPr>
     </a:lvl4pPr>
-    <a:lvl5pPr marL="1828800" algn="l" defTabSz="914400" rtl="0" eaLnBrk="1" latinLnBrk="0" hangingPunct="1">
+    <a:lvl5pPr marL="1828800" algn="l" defTabSz="457200" rtl="0" eaLnBrk="1" latinLnBrk="0" hangingPunct="1">
       <a:defRPr sz="1800" kern="1200">
         <a:solidFill>
           <a:schemeClr val="tx1"/>
@@ -63,7 +63,7 @@
         <a:cs typeface="+mn-cs"/>
       </a:defRPr>
     </a:lvl5pPr>
-    <a:lvl6pPr marL="2286000" algn="l" defTabSz="914400" rtl="0" eaLnBrk="1" latinLnBrk="0" hangingPunct="1">
+    <a:lvl6pPr marL="2286000" algn="l" defTabSz="457200" rtl="0" eaLnBrk="1" latinLnBrk="0" hangingPunct="1">
       <a:defRPr sz="1800" kern="1200">
         <a:solidFill>
           <a:schemeClr val="tx1"/>
@@ -73,7 +73,7 @@
         <a:cs typeface="+mn-cs"/>
       </a:defRPr>
     </a:lvl6pPr>
-    <a:lvl7pPr marL="2743200" algn="l" defTabSz="914400" rtl="0" eaLnBrk="1" latinLnBrk="0" hangingPunct="1">
+    <a:lvl7pPr marL="2743200" algn="l" defTabSz="457200" rtl="0" eaLnBrk="1" latinLnBrk="0" hangingPunct="1">
       <a:defRPr sz="1800" kern="1200">
         <a:solidFill>
           <a:schemeClr val="tx1"/>
@@ -83,7 +83,7 @@
         <a:cs typeface="+mn-cs"/>
       </a:defRPr>
     </a:lvl7pPr>
-    <a:lvl8pPr marL="3200400" algn="l" defTabSz="914400" rtl="0" eaLnBrk="1" latinLnBrk="0" hangingPunct="1">
+    <a:lvl8pPr marL="3200400" algn="l" defTabSz="457200" rtl="0" eaLnBrk="1" latinLnBrk="0" hangingPunct="1">
       <a:defRPr sz="1800" kern="1200">
         <a:solidFill>
           <a:schemeClr val="tx1"/>
@@ -93,7 +93,7 @@
         <a:cs typeface="+mn-cs"/>
       </a:defRPr>
     </a:lvl8pPr>
-    <a:lvl9pPr marL="3657600" algn="l" defTabSz="914400" rtl="0" eaLnBrk="1" latinLnBrk="0" hangingPunct="1">
+    <a:lvl9pPr marL="3657600" algn="l" defTabSz="457200" rtl="0" eaLnBrk="1" latinLnBrk="0" hangingPunct="1">
       <a:defRPr sz="1800" kern="1200">
         <a:solidFill>
           <a:schemeClr val="tx1"/>
@@ -104,15 +104,396 @@
       </a:defRPr>
     </a:lvl9pPr>
   </p:defaultTextStyle>
+  <p:extLst>
+    <p:ext uri="{EFAFB233-063F-42B5-8137-9DF3F51BA10A}">
+      <p15:sldGuideLst xmlns:p15="http://schemas.microsoft.com/office/powerpoint/2012/main"/>
+    </p:ext>
+  </p:extLst>
 </p:presentation>
 </file>
 
 <file path=ppt/revisionInfo.xml><?xml version="1.0" encoding="utf-8"?>
 <p1510:revInfo xmlns:a="http://schemas.openxmlformats.org/drawingml/2006/main" xmlns:r="http://schemas.openxmlformats.org/officeDocument/2006/relationships" xmlns:p1510="http://schemas.microsoft.com/office/powerpoint/2015/10/main">
   <p1510:revLst>
+    <p1510:client id="{CF693BBF-FC01-B84C-BFDB-8AE2BBFFD6B7}" v="3" dt="2019-08-12T16:34:34.535"/>
     <p1510:client id="{EFED77CC-D9D8-184A-B827-21C7A52B2E81}" v="1" dt="2019-08-12T16:25:46.867"/>
   </p1510:revLst>
 </p1510:revInfo>
+</file>
+
+<file path=ppt/changesInfos/changesInfo1.xml><?xml version="1.0" encoding="utf-8"?>
+<pc:chgInfo xmlns:a="http://schemas.openxmlformats.org/drawingml/2006/main" xmlns:r="http://schemas.openxmlformats.org/officeDocument/2006/relationships" xmlns:ac="http://schemas.microsoft.com/office/drawing/2013/main/command" xmlns:pc="http://schemas.microsoft.com/office/powerpoint/2013/main/command">
+  <pc:docChgLst>
+    <pc:chgData name="Rui Carmo" userId="7080aa0822697cea" providerId="LiveId" clId="{CF693BBF-FC01-B84C-BFDB-8AE2BBFFD6B7}"/>
+    <pc:docChg chg="modSld modMainMaster">
+      <pc:chgData name="Rui Carmo" userId="7080aa0822697cea" providerId="LiveId" clId="{CF693BBF-FC01-B84C-BFDB-8AE2BBFFD6B7}" dt="2019-08-12T16:34:44.703" v="39" actId="1582"/>
+      <pc:docMkLst>
+        <pc:docMk/>
+      </pc:docMkLst>
+      <pc:sldChg chg="addSp delSp modSp">
+        <pc:chgData name="Rui Carmo" userId="7080aa0822697cea" providerId="LiveId" clId="{CF693BBF-FC01-B84C-BFDB-8AE2BBFFD6B7}" dt="2019-08-12T16:34:44.703" v="39" actId="1582"/>
+        <pc:sldMkLst>
+          <pc:docMk/>
+          <pc:sldMk cId="3359513546" sldId="256"/>
+        </pc:sldMkLst>
+        <pc:spChg chg="mod topLvl">
+          <ac:chgData name="Rui Carmo" userId="7080aa0822697cea" providerId="LiveId" clId="{CF693BBF-FC01-B84C-BFDB-8AE2BBFFD6B7}" dt="2019-08-12T16:34:34.535" v="38" actId="165"/>
+          <ac:spMkLst>
+            <pc:docMk/>
+            <pc:sldMk cId="3359513546" sldId="256"/>
+            <ac:spMk id="11" creationId="{BD2B1356-919B-B941-90C8-58F6C1543CC5}"/>
+          </ac:spMkLst>
+        </pc:spChg>
+        <pc:spChg chg="mod topLvl">
+          <ac:chgData name="Rui Carmo" userId="7080aa0822697cea" providerId="LiveId" clId="{CF693BBF-FC01-B84C-BFDB-8AE2BBFFD6B7}" dt="2019-08-12T16:34:34.535" v="38" actId="165"/>
+          <ac:spMkLst>
+            <pc:docMk/>
+            <pc:sldMk cId="3359513546" sldId="256"/>
+            <ac:spMk id="12" creationId="{5991BB6B-EAB2-F148-9290-EC247DB7CD10}"/>
+          </ac:spMkLst>
+        </pc:spChg>
+        <pc:spChg chg="mod topLvl">
+          <ac:chgData name="Rui Carmo" userId="7080aa0822697cea" providerId="LiveId" clId="{CF693BBF-FC01-B84C-BFDB-8AE2BBFFD6B7}" dt="2019-08-12T16:34:34.535" v="38" actId="165"/>
+          <ac:spMkLst>
+            <pc:docMk/>
+            <pc:sldMk cId="3359513546" sldId="256"/>
+            <ac:spMk id="13" creationId="{66B630DD-2078-A348-8418-2DB00B9C8CB7}"/>
+          </ac:spMkLst>
+        </pc:spChg>
+        <pc:spChg chg="mod topLvl">
+          <ac:chgData name="Rui Carmo" userId="7080aa0822697cea" providerId="LiveId" clId="{CF693BBF-FC01-B84C-BFDB-8AE2BBFFD6B7}" dt="2019-08-12T16:34:34.535" v="38" actId="165"/>
+          <ac:spMkLst>
+            <pc:docMk/>
+            <pc:sldMk cId="3359513546" sldId="256"/>
+            <ac:spMk id="27" creationId="{CC1C257C-B1B0-E84B-A862-EB5835E82C98}"/>
+          </ac:spMkLst>
+        </pc:spChg>
+        <pc:grpChg chg="add del mod">
+          <ac:chgData name="Rui Carmo" userId="7080aa0822697cea" providerId="LiveId" clId="{CF693BBF-FC01-B84C-BFDB-8AE2BBFFD6B7}" dt="2019-08-12T16:34:34.535" v="38" actId="165"/>
+          <ac:grpSpMkLst>
+            <pc:docMk/>
+            <pc:sldMk cId="3359513546" sldId="256"/>
+            <ac:grpSpMk id="2" creationId="{B6580F77-75E0-2643-9D40-4EF87D117C4D}"/>
+          </ac:grpSpMkLst>
+        </pc:grpChg>
+        <pc:picChg chg="mod topLvl">
+          <ac:chgData name="Rui Carmo" userId="7080aa0822697cea" providerId="LiveId" clId="{CF693BBF-FC01-B84C-BFDB-8AE2BBFFD6B7}" dt="2019-08-12T16:34:34.535" v="38" actId="165"/>
+          <ac:picMkLst>
+            <pc:docMk/>
+            <pc:sldMk cId="3359513546" sldId="256"/>
+            <ac:picMk id="5" creationId="{A52C33F0-A91D-4741-84C6-86AAC319EDFC}"/>
+          </ac:picMkLst>
+        </pc:picChg>
+        <pc:picChg chg="mod topLvl">
+          <ac:chgData name="Rui Carmo" userId="7080aa0822697cea" providerId="LiveId" clId="{CF693BBF-FC01-B84C-BFDB-8AE2BBFFD6B7}" dt="2019-08-12T16:34:34.535" v="38" actId="165"/>
+          <ac:picMkLst>
+            <pc:docMk/>
+            <pc:sldMk cId="3359513546" sldId="256"/>
+            <ac:picMk id="7" creationId="{65921A7B-2353-6441-B9CB-2B7846A21ACF}"/>
+          </ac:picMkLst>
+        </pc:picChg>
+        <pc:picChg chg="mod topLvl">
+          <ac:chgData name="Rui Carmo" userId="7080aa0822697cea" providerId="LiveId" clId="{CF693BBF-FC01-B84C-BFDB-8AE2BBFFD6B7}" dt="2019-08-12T16:34:34.535" v="38" actId="165"/>
+          <ac:picMkLst>
+            <pc:docMk/>
+            <pc:sldMk cId="3359513546" sldId="256"/>
+            <ac:picMk id="10" creationId="{0FC51846-F205-EC46-81C2-E2E85FC07880}"/>
+          </ac:picMkLst>
+        </pc:picChg>
+        <pc:cxnChg chg="mod topLvl">
+          <ac:chgData name="Rui Carmo" userId="7080aa0822697cea" providerId="LiveId" clId="{CF693BBF-FC01-B84C-BFDB-8AE2BBFFD6B7}" dt="2019-08-12T16:34:44.703" v="39" actId="1582"/>
+          <ac:cxnSpMkLst>
+            <pc:docMk/>
+            <pc:sldMk cId="3359513546" sldId="256"/>
+            <ac:cxnSpMk id="14" creationId="{F1663D1B-DAC0-D74A-8948-AC057A7913AF}"/>
+          </ac:cxnSpMkLst>
+        </pc:cxnChg>
+        <pc:cxnChg chg="mod topLvl">
+          <ac:chgData name="Rui Carmo" userId="7080aa0822697cea" providerId="LiveId" clId="{CF693BBF-FC01-B84C-BFDB-8AE2BBFFD6B7}" dt="2019-08-12T16:34:44.703" v="39" actId="1582"/>
+          <ac:cxnSpMkLst>
+            <pc:docMk/>
+            <pc:sldMk cId="3359513546" sldId="256"/>
+            <ac:cxnSpMk id="17" creationId="{FE3B7F45-9F5F-A54C-B729-D5C2D6BD6C76}"/>
+          </ac:cxnSpMkLst>
+        </pc:cxnChg>
+      </pc:sldChg>
+      <pc:sldMasterChg chg="modSp modSldLayout">
+        <pc:chgData name="Rui Carmo" userId="7080aa0822697cea" providerId="LiveId" clId="{CF693BBF-FC01-B84C-BFDB-8AE2BBFFD6B7}" dt="2019-08-12T16:32:45.178" v="0"/>
+        <pc:sldMasterMkLst>
+          <pc:docMk/>
+          <pc:sldMasterMk cId="2339908521" sldId="2147483648"/>
+        </pc:sldMasterMkLst>
+        <pc:spChg chg="mod">
+          <ac:chgData name="Rui Carmo" userId="7080aa0822697cea" providerId="LiveId" clId="{CF693BBF-FC01-B84C-BFDB-8AE2BBFFD6B7}" dt="2019-08-12T16:32:45.178" v="0"/>
+          <ac:spMkLst>
+            <pc:docMk/>
+            <pc:sldMasterMk cId="2339908521" sldId="2147483648"/>
+            <ac:spMk id="2" creationId="{0A1A4B34-EEAD-0C47-A73F-DDEA426591FA}"/>
+          </ac:spMkLst>
+        </pc:spChg>
+        <pc:spChg chg="mod">
+          <ac:chgData name="Rui Carmo" userId="7080aa0822697cea" providerId="LiveId" clId="{CF693BBF-FC01-B84C-BFDB-8AE2BBFFD6B7}" dt="2019-08-12T16:32:45.178" v="0"/>
+          <ac:spMkLst>
+            <pc:docMk/>
+            <pc:sldMasterMk cId="2339908521" sldId="2147483648"/>
+            <ac:spMk id="3" creationId="{64CD1286-B7F8-774C-9AA4-2229EBFCB1F9}"/>
+          </ac:spMkLst>
+        </pc:spChg>
+        <pc:spChg chg="mod">
+          <ac:chgData name="Rui Carmo" userId="7080aa0822697cea" providerId="LiveId" clId="{CF693BBF-FC01-B84C-BFDB-8AE2BBFFD6B7}" dt="2019-08-12T16:32:45.178" v="0"/>
+          <ac:spMkLst>
+            <pc:docMk/>
+            <pc:sldMasterMk cId="2339908521" sldId="2147483648"/>
+            <ac:spMk id="4" creationId="{970B3ADD-E913-2F44-BC50-0F8C26E2EA6B}"/>
+          </ac:spMkLst>
+        </pc:spChg>
+        <pc:spChg chg="mod">
+          <ac:chgData name="Rui Carmo" userId="7080aa0822697cea" providerId="LiveId" clId="{CF693BBF-FC01-B84C-BFDB-8AE2BBFFD6B7}" dt="2019-08-12T16:32:45.178" v="0"/>
+          <ac:spMkLst>
+            <pc:docMk/>
+            <pc:sldMasterMk cId="2339908521" sldId="2147483648"/>
+            <ac:spMk id="5" creationId="{8D3C4D2F-F9E3-B841-93F5-6EB572FC3520}"/>
+          </ac:spMkLst>
+        </pc:spChg>
+        <pc:spChg chg="mod">
+          <ac:chgData name="Rui Carmo" userId="7080aa0822697cea" providerId="LiveId" clId="{CF693BBF-FC01-B84C-BFDB-8AE2BBFFD6B7}" dt="2019-08-12T16:32:45.178" v="0"/>
+          <ac:spMkLst>
+            <pc:docMk/>
+            <pc:sldMasterMk cId="2339908521" sldId="2147483648"/>
+            <ac:spMk id="6" creationId="{DC571DBF-1A4A-DB49-929E-935E45DFEF50}"/>
+          </ac:spMkLst>
+        </pc:spChg>
+        <pc:sldLayoutChg chg="modSp">
+          <pc:chgData name="Rui Carmo" userId="7080aa0822697cea" providerId="LiveId" clId="{CF693BBF-FC01-B84C-BFDB-8AE2BBFFD6B7}" dt="2019-08-12T16:32:45.178" v="0"/>
+          <pc:sldLayoutMkLst>
+            <pc:docMk/>
+            <pc:sldMasterMk cId="2339908521" sldId="2147483648"/>
+            <pc:sldLayoutMk cId="1882149826" sldId="2147483649"/>
+          </pc:sldLayoutMkLst>
+          <pc:spChg chg="mod">
+            <ac:chgData name="Rui Carmo" userId="7080aa0822697cea" providerId="LiveId" clId="{CF693BBF-FC01-B84C-BFDB-8AE2BBFFD6B7}" dt="2019-08-12T16:32:45.178" v="0"/>
+            <ac:spMkLst>
+              <pc:docMk/>
+              <pc:sldMasterMk cId="2339908521" sldId="2147483648"/>
+              <pc:sldLayoutMk cId="1882149826" sldId="2147483649"/>
+              <ac:spMk id="2" creationId="{7C6975E3-FE89-7F42-A30F-1E31436D912A}"/>
+            </ac:spMkLst>
+          </pc:spChg>
+          <pc:spChg chg="mod">
+            <ac:chgData name="Rui Carmo" userId="7080aa0822697cea" providerId="LiveId" clId="{CF693BBF-FC01-B84C-BFDB-8AE2BBFFD6B7}" dt="2019-08-12T16:32:45.178" v="0"/>
+            <ac:spMkLst>
+              <pc:docMk/>
+              <pc:sldMasterMk cId="2339908521" sldId="2147483648"/>
+              <pc:sldLayoutMk cId="1882149826" sldId="2147483649"/>
+              <ac:spMk id="3" creationId="{D1DFB7CB-361C-D54A-BEE0-FFA1965E95BD}"/>
+            </ac:spMkLst>
+          </pc:spChg>
+        </pc:sldLayoutChg>
+        <pc:sldLayoutChg chg="modSp">
+          <pc:chgData name="Rui Carmo" userId="7080aa0822697cea" providerId="LiveId" clId="{CF693BBF-FC01-B84C-BFDB-8AE2BBFFD6B7}" dt="2019-08-12T16:32:45.178" v="0"/>
+          <pc:sldLayoutMkLst>
+            <pc:docMk/>
+            <pc:sldMasterMk cId="2339908521" sldId="2147483648"/>
+            <pc:sldLayoutMk cId="1684279264" sldId="2147483651"/>
+          </pc:sldLayoutMkLst>
+          <pc:spChg chg="mod">
+            <ac:chgData name="Rui Carmo" userId="7080aa0822697cea" providerId="LiveId" clId="{CF693BBF-FC01-B84C-BFDB-8AE2BBFFD6B7}" dt="2019-08-12T16:32:45.178" v="0"/>
+            <ac:spMkLst>
+              <pc:docMk/>
+              <pc:sldMasterMk cId="2339908521" sldId="2147483648"/>
+              <pc:sldLayoutMk cId="1684279264" sldId="2147483651"/>
+              <ac:spMk id="2" creationId="{D14C9F17-B9D3-1A49-A8EE-208E33A18AA4}"/>
+            </ac:spMkLst>
+          </pc:spChg>
+          <pc:spChg chg="mod">
+            <ac:chgData name="Rui Carmo" userId="7080aa0822697cea" providerId="LiveId" clId="{CF693BBF-FC01-B84C-BFDB-8AE2BBFFD6B7}" dt="2019-08-12T16:32:45.178" v="0"/>
+            <ac:spMkLst>
+              <pc:docMk/>
+              <pc:sldMasterMk cId="2339908521" sldId="2147483648"/>
+              <pc:sldLayoutMk cId="1684279264" sldId="2147483651"/>
+              <ac:spMk id="3" creationId="{618CB0F0-E2B1-B64D-AFE1-B1F05DFB99A6}"/>
+            </ac:spMkLst>
+          </pc:spChg>
+        </pc:sldLayoutChg>
+        <pc:sldLayoutChg chg="modSp">
+          <pc:chgData name="Rui Carmo" userId="7080aa0822697cea" providerId="LiveId" clId="{CF693BBF-FC01-B84C-BFDB-8AE2BBFFD6B7}" dt="2019-08-12T16:32:45.178" v="0"/>
+          <pc:sldLayoutMkLst>
+            <pc:docMk/>
+            <pc:sldMasterMk cId="2339908521" sldId="2147483648"/>
+            <pc:sldLayoutMk cId="3601724867" sldId="2147483652"/>
+          </pc:sldLayoutMkLst>
+          <pc:spChg chg="mod">
+            <ac:chgData name="Rui Carmo" userId="7080aa0822697cea" providerId="LiveId" clId="{CF693BBF-FC01-B84C-BFDB-8AE2BBFFD6B7}" dt="2019-08-12T16:32:45.178" v="0"/>
+            <ac:spMkLst>
+              <pc:docMk/>
+              <pc:sldMasterMk cId="2339908521" sldId="2147483648"/>
+              <pc:sldLayoutMk cId="3601724867" sldId="2147483652"/>
+              <ac:spMk id="3" creationId="{AA6790B2-EB6B-8F43-9685-EAC08D3DA123}"/>
+            </ac:spMkLst>
+          </pc:spChg>
+          <pc:spChg chg="mod">
+            <ac:chgData name="Rui Carmo" userId="7080aa0822697cea" providerId="LiveId" clId="{CF693BBF-FC01-B84C-BFDB-8AE2BBFFD6B7}" dt="2019-08-12T16:32:45.178" v="0"/>
+            <ac:spMkLst>
+              <pc:docMk/>
+              <pc:sldMasterMk cId="2339908521" sldId="2147483648"/>
+              <pc:sldLayoutMk cId="3601724867" sldId="2147483652"/>
+              <ac:spMk id="4" creationId="{76A80E18-9A88-664C-88DF-4E6FD542AA55}"/>
+            </ac:spMkLst>
+          </pc:spChg>
+        </pc:sldLayoutChg>
+        <pc:sldLayoutChg chg="modSp">
+          <pc:chgData name="Rui Carmo" userId="7080aa0822697cea" providerId="LiveId" clId="{CF693BBF-FC01-B84C-BFDB-8AE2BBFFD6B7}" dt="2019-08-12T16:32:45.178" v="0"/>
+          <pc:sldLayoutMkLst>
+            <pc:docMk/>
+            <pc:sldMasterMk cId="2339908521" sldId="2147483648"/>
+            <pc:sldLayoutMk cId="353240047" sldId="2147483653"/>
+          </pc:sldLayoutMkLst>
+          <pc:spChg chg="mod">
+            <ac:chgData name="Rui Carmo" userId="7080aa0822697cea" providerId="LiveId" clId="{CF693BBF-FC01-B84C-BFDB-8AE2BBFFD6B7}" dt="2019-08-12T16:32:45.178" v="0"/>
+            <ac:spMkLst>
+              <pc:docMk/>
+              <pc:sldMasterMk cId="2339908521" sldId="2147483648"/>
+              <pc:sldLayoutMk cId="353240047" sldId="2147483653"/>
+              <ac:spMk id="2" creationId="{9E2B9AAE-3D7B-8A40-9248-BD37286CF849}"/>
+            </ac:spMkLst>
+          </pc:spChg>
+          <pc:spChg chg="mod">
+            <ac:chgData name="Rui Carmo" userId="7080aa0822697cea" providerId="LiveId" clId="{CF693BBF-FC01-B84C-BFDB-8AE2BBFFD6B7}" dt="2019-08-12T16:32:45.178" v="0"/>
+            <ac:spMkLst>
+              <pc:docMk/>
+              <pc:sldMasterMk cId="2339908521" sldId="2147483648"/>
+              <pc:sldLayoutMk cId="353240047" sldId="2147483653"/>
+              <ac:spMk id="3" creationId="{B42660BA-3871-204F-AF95-A5D10CC2D453}"/>
+            </ac:spMkLst>
+          </pc:spChg>
+          <pc:spChg chg="mod">
+            <ac:chgData name="Rui Carmo" userId="7080aa0822697cea" providerId="LiveId" clId="{CF693BBF-FC01-B84C-BFDB-8AE2BBFFD6B7}" dt="2019-08-12T16:32:45.178" v="0"/>
+            <ac:spMkLst>
+              <pc:docMk/>
+              <pc:sldMasterMk cId="2339908521" sldId="2147483648"/>
+              <pc:sldLayoutMk cId="353240047" sldId="2147483653"/>
+              <ac:spMk id="4" creationId="{BF2C2E02-9F4B-574E-BBC3-5A3265471536}"/>
+            </ac:spMkLst>
+          </pc:spChg>
+          <pc:spChg chg="mod">
+            <ac:chgData name="Rui Carmo" userId="7080aa0822697cea" providerId="LiveId" clId="{CF693BBF-FC01-B84C-BFDB-8AE2BBFFD6B7}" dt="2019-08-12T16:32:45.178" v="0"/>
+            <ac:spMkLst>
+              <pc:docMk/>
+              <pc:sldMasterMk cId="2339908521" sldId="2147483648"/>
+              <pc:sldLayoutMk cId="353240047" sldId="2147483653"/>
+              <ac:spMk id="5" creationId="{AD9257A6-F695-244C-B5EF-ED5C869789FC}"/>
+            </ac:spMkLst>
+          </pc:spChg>
+          <pc:spChg chg="mod">
+            <ac:chgData name="Rui Carmo" userId="7080aa0822697cea" providerId="LiveId" clId="{CF693BBF-FC01-B84C-BFDB-8AE2BBFFD6B7}" dt="2019-08-12T16:32:45.178" v="0"/>
+            <ac:spMkLst>
+              <pc:docMk/>
+              <pc:sldMasterMk cId="2339908521" sldId="2147483648"/>
+              <pc:sldLayoutMk cId="353240047" sldId="2147483653"/>
+              <ac:spMk id="6" creationId="{5F6CBC1F-1981-CD4D-8E9D-5B7EDF682663}"/>
+            </ac:spMkLst>
+          </pc:spChg>
+        </pc:sldLayoutChg>
+        <pc:sldLayoutChg chg="modSp">
+          <pc:chgData name="Rui Carmo" userId="7080aa0822697cea" providerId="LiveId" clId="{CF693BBF-FC01-B84C-BFDB-8AE2BBFFD6B7}" dt="2019-08-12T16:32:45.178" v="0"/>
+          <pc:sldLayoutMkLst>
+            <pc:docMk/>
+            <pc:sldMasterMk cId="2339908521" sldId="2147483648"/>
+            <pc:sldLayoutMk cId="3545337628" sldId="2147483656"/>
+          </pc:sldLayoutMkLst>
+          <pc:spChg chg="mod">
+            <ac:chgData name="Rui Carmo" userId="7080aa0822697cea" providerId="LiveId" clId="{CF693BBF-FC01-B84C-BFDB-8AE2BBFFD6B7}" dt="2019-08-12T16:32:45.178" v="0"/>
+            <ac:spMkLst>
+              <pc:docMk/>
+              <pc:sldMasterMk cId="2339908521" sldId="2147483648"/>
+              <pc:sldLayoutMk cId="3545337628" sldId="2147483656"/>
+              <ac:spMk id="2" creationId="{2842C2BE-53CA-6F40-A051-F6852F9195C3}"/>
+            </ac:spMkLst>
+          </pc:spChg>
+          <pc:spChg chg="mod">
+            <ac:chgData name="Rui Carmo" userId="7080aa0822697cea" providerId="LiveId" clId="{CF693BBF-FC01-B84C-BFDB-8AE2BBFFD6B7}" dt="2019-08-12T16:32:45.178" v="0"/>
+            <ac:spMkLst>
+              <pc:docMk/>
+              <pc:sldMasterMk cId="2339908521" sldId="2147483648"/>
+              <pc:sldLayoutMk cId="3545337628" sldId="2147483656"/>
+              <ac:spMk id="3" creationId="{DE4874CC-60EE-DB4C-81CA-C729CEA790F1}"/>
+            </ac:spMkLst>
+          </pc:spChg>
+          <pc:spChg chg="mod">
+            <ac:chgData name="Rui Carmo" userId="7080aa0822697cea" providerId="LiveId" clId="{CF693BBF-FC01-B84C-BFDB-8AE2BBFFD6B7}" dt="2019-08-12T16:32:45.178" v="0"/>
+            <ac:spMkLst>
+              <pc:docMk/>
+              <pc:sldMasterMk cId="2339908521" sldId="2147483648"/>
+              <pc:sldLayoutMk cId="3545337628" sldId="2147483656"/>
+              <ac:spMk id="4" creationId="{5DCA475F-9A13-E34E-ACEE-55C5E74E829F}"/>
+            </ac:spMkLst>
+          </pc:spChg>
+        </pc:sldLayoutChg>
+        <pc:sldLayoutChg chg="modSp">
+          <pc:chgData name="Rui Carmo" userId="7080aa0822697cea" providerId="LiveId" clId="{CF693BBF-FC01-B84C-BFDB-8AE2BBFFD6B7}" dt="2019-08-12T16:32:45.178" v="0"/>
+          <pc:sldLayoutMkLst>
+            <pc:docMk/>
+            <pc:sldMasterMk cId="2339908521" sldId="2147483648"/>
+            <pc:sldLayoutMk cId="2465088302" sldId="2147483657"/>
+          </pc:sldLayoutMkLst>
+          <pc:spChg chg="mod">
+            <ac:chgData name="Rui Carmo" userId="7080aa0822697cea" providerId="LiveId" clId="{CF693BBF-FC01-B84C-BFDB-8AE2BBFFD6B7}" dt="2019-08-12T16:32:45.178" v="0"/>
+            <ac:spMkLst>
+              <pc:docMk/>
+              <pc:sldMasterMk cId="2339908521" sldId="2147483648"/>
+              <pc:sldLayoutMk cId="2465088302" sldId="2147483657"/>
+              <ac:spMk id="2" creationId="{8EBA60A6-04F1-434E-B4C8-D6CBF5D1CB92}"/>
+            </ac:spMkLst>
+          </pc:spChg>
+          <pc:spChg chg="mod">
+            <ac:chgData name="Rui Carmo" userId="7080aa0822697cea" providerId="LiveId" clId="{CF693BBF-FC01-B84C-BFDB-8AE2BBFFD6B7}" dt="2019-08-12T16:32:45.178" v="0"/>
+            <ac:spMkLst>
+              <pc:docMk/>
+              <pc:sldMasterMk cId="2339908521" sldId="2147483648"/>
+              <pc:sldLayoutMk cId="2465088302" sldId="2147483657"/>
+              <ac:spMk id="3" creationId="{9DDE2DD6-9541-714F-BD0E-EB88FFCA6118}"/>
+            </ac:spMkLst>
+          </pc:spChg>
+          <pc:spChg chg="mod">
+            <ac:chgData name="Rui Carmo" userId="7080aa0822697cea" providerId="LiveId" clId="{CF693BBF-FC01-B84C-BFDB-8AE2BBFFD6B7}" dt="2019-08-12T16:32:45.178" v="0"/>
+            <ac:spMkLst>
+              <pc:docMk/>
+              <pc:sldMasterMk cId="2339908521" sldId="2147483648"/>
+              <pc:sldLayoutMk cId="2465088302" sldId="2147483657"/>
+              <ac:spMk id="4" creationId="{AA2A7458-D833-0D45-9323-1CD34C217755}"/>
+            </ac:spMkLst>
+          </pc:spChg>
+        </pc:sldLayoutChg>
+        <pc:sldLayoutChg chg="modSp">
+          <pc:chgData name="Rui Carmo" userId="7080aa0822697cea" providerId="LiveId" clId="{CF693BBF-FC01-B84C-BFDB-8AE2BBFFD6B7}" dt="2019-08-12T16:32:45.178" v="0"/>
+          <pc:sldLayoutMkLst>
+            <pc:docMk/>
+            <pc:sldMasterMk cId="2339908521" sldId="2147483648"/>
+            <pc:sldLayoutMk cId="2576477916" sldId="2147483659"/>
+          </pc:sldLayoutMkLst>
+          <pc:spChg chg="mod">
+            <ac:chgData name="Rui Carmo" userId="7080aa0822697cea" providerId="LiveId" clId="{CF693BBF-FC01-B84C-BFDB-8AE2BBFFD6B7}" dt="2019-08-12T16:32:45.178" v="0"/>
+            <ac:spMkLst>
+              <pc:docMk/>
+              <pc:sldMasterMk cId="2339908521" sldId="2147483648"/>
+              <pc:sldLayoutMk cId="2576477916" sldId="2147483659"/>
+              <ac:spMk id="2" creationId="{FE8840A2-F8BC-D14D-8255-81C23A910120}"/>
+            </ac:spMkLst>
+          </pc:spChg>
+          <pc:spChg chg="mod">
+            <ac:chgData name="Rui Carmo" userId="7080aa0822697cea" providerId="LiveId" clId="{CF693BBF-FC01-B84C-BFDB-8AE2BBFFD6B7}" dt="2019-08-12T16:32:45.178" v="0"/>
+            <ac:spMkLst>
+              <pc:docMk/>
+              <pc:sldMasterMk cId="2339908521" sldId="2147483648"/>
+              <pc:sldLayoutMk cId="2576477916" sldId="2147483659"/>
+              <ac:spMk id="3" creationId="{F4B93CE0-325D-7547-BDCE-6718D9A36875}"/>
+            </ac:spMkLst>
+          </pc:spChg>
+        </pc:sldLayoutChg>
+      </pc:sldMasterChg>
+    </pc:docChg>
+  </pc:docChgLst>
+</pc:chgInfo>
 </file>
 
 <file path=ppt/slideLayouts/slideLayout1.xml><?xml version="1.0" encoding="utf-8"?>
@@ -134,13 +515,7 @@
       </p:grpSpPr>
       <p:sp>
         <p:nvSpPr>
-          <p:cNvPr id="2" name="Title 1">
-            <a:extLst>
-              <a:ext uri="{FF2B5EF4-FFF2-40B4-BE49-F238E27FC236}">
-                <a16:creationId xmlns:a16="http://schemas.microsoft.com/office/drawing/2014/main" id="{7C6975E3-FE89-7F42-A30F-1E31436D912A}"/>
-              </a:ext>
-            </a:extLst>
-          </p:cNvPr>
+          <p:cNvPr id="2" name="Title 1"/>
           <p:cNvSpPr>
             <a:spLocks noGrp="1"/>
           </p:cNvSpPr>
@@ -150,15 +525,15 @@
         </p:nvSpPr>
         <p:spPr>
           <a:xfrm>
-            <a:off x="1524000" y="1122363"/>
-            <a:ext cx="9144000" cy="2387600"/>
+            <a:off x="576064" y="376979"/>
+            <a:ext cx="3456385" cy="801946"/>
           </a:xfrm>
         </p:spPr>
         <p:txBody>
           <a:bodyPr anchor="b"/>
           <a:lstStyle>
             <a:lvl1pPr algn="ctr">
-              <a:defRPr sz="6000"/>
+              <a:defRPr sz="2015"/>
             </a:lvl1pPr>
           </a:lstStyle>
           <a:p>
@@ -166,19 +541,13 @@
               <a:rPr lang="en-GB"/>
               <a:t>Click to edit Master title style</a:t>
             </a:r>
-            <a:endParaRPr lang="en-US"/>
-          </a:p>
-        </p:txBody>
-      </p:sp>
-      <p:sp>
-        <p:nvSpPr>
-          <p:cNvPr id="3" name="Subtitle 2">
-            <a:extLst>
-              <a:ext uri="{FF2B5EF4-FFF2-40B4-BE49-F238E27FC236}">
-                <a16:creationId xmlns:a16="http://schemas.microsoft.com/office/drawing/2014/main" id="{D1DFB7CB-361C-D54A-BEE0-FFA1965E95BD}"/>
-              </a:ext>
-            </a:extLst>
-          </p:cNvPr>
+            <a:endParaRPr lang="en-US" dirty="0"/>
+          </a:p>
+        </p:txBody>
+      </p:sp>
+      <p:sp>
+        <p:nvSpPr>
+          <p:cNvPr id="3" name="Subtitle 2"/>
           <p:cNvSpPr>
             <a:spLocks noGrp="1"/>
           </p:cNvSpPr>
@@ -188,8 +557,8 @@
         </p:nvSpPr>
         <p:spPr>
           <a:xfrm>
-            <a:off x="1524000" y="3602038"/>
-            <a:ext cx="9144000" cy="1655762"/>
+            <a:off x="576064" y="1209851"/>
+            <a:ext cx="3456385" cy="556137"/>
           </a:xfrm>
         </p:spPr>
         <p:txBody>
@@ -197,39 +566,39 @@
           <a:lstStyle>
             <a:lvl1pPr marL="0" indent="0" algn="ctr">
               <a:buNone/>
-              <a:defRPr sz="2400"/>
+              <a:defRPr sz="806"/>
             </a:lvl1pPr>
-            <a:lvl2pPr marL="457200" indent="0" algn="ctr">
-              <a:buNone/>
-              <a:defRPr sz="2000"/>
+            <a:lvl2pPr marL="153573" indent="0" algn="ctr">
+              <a:buNone/>
+              <a:defRPr sz="672"/>
             </a:lvl2pPr>
-            <a:lvl3pPr marL="914400" indent="0" algn="ctr">
-              <a:buNone/>
-              <a:defRPr sz="1800"/>
+            <a:lvl3pPr marL="307147" indent="0" algn="ctr">
+              <a:buNone/>
+              <a:defRPr sz="605"/>
             </a:lvl3pPr>
-            <a:lvl4pPr marL="1371600" indent="0" algn="ctr">
-              <a:buNone/>
-              <a:defRPr sz="1600"/>
+            <a:lvl4pPr marL="460720" indent="0" algn="ctr">
+              <a:buNone/>
+              <a:defRPr sz="537"/>
             </a:lvl4pPr>
-            <a:lvl5pPr marL="1828800" indent="0" algn="ctr">
-              <a:buNone/>
-              <a:defRPr sz="1600"/>
+            <a:lvl5pPr marL="614294" indent="0" algn="ctr">
+              <a:buNone/>
+              <a:defRPr sz="537"/>
             </a:lvl5pPr>
-            <a:lvl6pPr marL="2286000" indent="0" algn="ctr">
-              <a:buNone/>
-              <a:defRPr sz="1600"/>
+            <a:lvl6pPr marL="767867" indent="0" algn="ctr">
+              <a:buNone/>
+              <a:defRPr sz="537"/>
             </a:lvl6pPr>
-            <a:lvl7pPr marL="2743200" indent="0" algn="ctr">
-              <a:buNone/>
-              <a:defRPr sz="1600"/>
+            <a:lvl7pPr marL="921441" indent="0" algn="ctr">
+              <a:buNone/>
+              <a:defRPr sz="537"/>
             </a:lvl7pPr>
-            <a:lvl8pPr marL="3200400" indent="0" algn="ctr">
-              <a:buNone/>
-              <a:defRPr sz="1600"/>
+            <a:lvl8pPr marL="1075014" indent="0" algn="ctr">
+              <a:buNone/>
+              <a:defRPr sz="537"/>
             </a:lvl8pPr>
-            <a:lvl9pPr marL="3657600" indent="0" algn="ctr">
-              <a:buNone/>
-              <a:defRPr sz="1600"/>
+            <a:lvl9pPr marL="1228588" indent="0" algn="ctr">
+              <a:buNone/>
+              <a:defRPr sz="537"/>
             </a:lvl9pPr>
           </a:lstStyle>
           <a:p>
@@ -237,19 +606,13 @@
               <a:rPr lang="en-GB"/>
               <a:t>Click to edit Master subtitle style</a:t>
             </a:r>
-            <a:endParaRPr lang="en-US"/>
-          </a:p>
-        </p:txBody>
-      </p:sp>
-      <p:sp>
-        <p:nvSpPr>
-          <p:cNvPr id="4" name="Date Placeholder 3">
-            <a:extLst>
-              <a:ext uri="{FF2B5EF4-FFF2-40B4-BE49-F238E27FC236}">
-                <a16:creationId xmlns:a16="http://schemas.microsoft.com/office/drawing/2014/main" id="{6A750493-6256-6847-B062-37C004A28D75}"/>
-              </a:ext>
-            </a:extLst>
-          </p:cNvPr>
+            <a:endParaRPr lang="en-US" dirty="0"/>
+          </a:p>
+        </p:txBody>
+      </p:sp>
+      <p:sp>
+        <p:nvSpPr>
+          <p:cNvPr id="4" name="Date Placeholder 3"/>
           <p:cNvSpPr>
             <a:spLocks noGrp="1"/>
           </p:cNvSpPr>
@@ -272,13 +635,7 @@
       </p:sp>
       <p:sp>
         <p:nvSpPr>
-          <p:cNvPr id="5" name="Footer Placeholder 4">
-            <a:extLst>
-              <a:ext uri="{FF2B5EF4-FFF2-40B4-BE49-F238E27FC236}">
-                <a16:creationId xmlns:a16="http://schemas.microsoft.com/office/drawing/2014/main" id="{EC68A850-46F6-5D49-A6F1-10A515DC918C}"/>
-              </a:ext>
-            </a:extLst>
-          </p:cNvPr>
+          <p:cNvPr id="5" name="Footer Placeholder 4"/>
           <p:cNvSpPr>
             <a:spLocks noGrp="1"/>
           </p:cNvSpPr>
@@ -297,13 +654,7 @@
       </p:sp>
       <p:sp>
         <p:nvSpPr>
-          <p:cNvPr id="6" name="Slide Number Placeholder 5">
-            <a:extLst>
-              <a:ext uri="{FF2B5EF4-FFF2-40B4-BE49-F238E27FC236}">
-                <a16:creationId xmlns:a16="http://schemas.microsoft.com/office/drawing/2014/main" id="{695DC712-9FB0-0443-A3D3-D2D68BB9CDE4}"/>
-              </a:ext>
-            </a:extLst>
-          </p:cNvPr>
+          <p:cNvPr id="6" name="Slide Number Placeholder 5"/>
           <p:cNvSpPr>
             <a:spLocks noGrp="1"/>
           </p:cNvSpPr>
@@ -327,7 +678,7 @@
     </p:spTree>
     <p:extLst>
       <p:ext uri="{BB962C8B-B14F-4D97-AF65-F5344CB8AC3E}">
-        <p14:creationId xmlns:p14="http://schemas.microsoft.com/office/powerpoint/2010/main" val="1882149826"/>
+        <p14:creationId xmlns:p14="http://schemas.microsoft.com/office/powerpoint/2010/main" val="2999262944"/>
       </p:ext>
     </p:extLst>
   </p:cSld>
@@ -356,13 +707,7 @@
       </p:grpSpPr>
       <p:sp>
         <p:nvSpPr>
-          <p:cNvPr id="2" name="Title 1">
-            <a:extLst>
-              <a:ext uri="{FF2B5EF4-FFF2-40B4-BE49-F238E27FC236}">
-                <a16:creationId xmlns:a16="http://schemas.microsoft.com/office/drawing/2014/main" id="{6687DA4D-A93C-6645-83EA-0062082B6FC6}"/>
-              </a:ext>
-            </a:extLst>
-          </p:cNvPr>
+          <p:cNvPr id="2" name="Title 1"/>
           <p:cNvSpPr>
             <a:spLocks noGrp="1"/>
           </p:cNvSpPr>
@@ -379,19 +724,13 @@
               <a:rPr lang="en-GB"/>
               <a:t>Click to edit Master title style</a:t>
             </a:r>
-            <a:endParaRPr lang="en-US"/>
-          </a:p>
-        </p:txBody>
-      </p:sp>
-      <p:sp>
-        <p:nvSpPr>
-          <p:cNvPr id="3" name="Vertical Text Placeholder 2">
-            <a:extLst>
-              <a:ext uri="{FF2B5EF4-FFF2-40B4-BE49-F238E27FC236}">
-                <a16:creationId xmlns:a16="http://schemas.microsoft.com/office/drawing/2014/main" id="{9A2538A6-308E-6149-8011-E622B4C372B9}"/>
-              </a:ext>
-            </a:extLst>
-          </p:cNvPr>
+            <a:endParaRPr lang="en-US" dirty="0"/>
+          </a:p>
+        </p:txBody>
+      </p:sp>
+      <p:sp>
+        <p:nvSpPr>
+          <p:cNvPr id="3" name="Vertical Text Placeholder 2"/>
           <p:cNvSpPr>
             <a:spLocks noGrp="1"/>
           </p:cNvSpPr>
@@ -437,19 +776,13 @@
               <a:rPr lang="en-GB"/>
               <a:t>Fifth level</a:t>
             </a:r>
-            <a:endParaRPr lang="en-US"/>
-          </a:p>
-        </p:txBody>
-      </p:sp>
-      <p:sp>
-        <p:nvSpPr>
-          <p:cNvPr id="4" name="Date Placeholder 3">
-            <a:extLst>
-              <a:ext uri="{FF2B5EF4-FFF2-40B4-BE49-F238E27FC236}">
-                <a16:creationId xmlns:a16="http://schemas.microsoft.com/office/drawing/2014/main" id="{E538172B-ED13-284B-8DEA-8E5903C93639}"/>
-              </a:ext>
-            </a:extLst>
-          </p:cNvPr>
+            <a:endParaRPr lang="en-US" dirty="0"/>
+          </a:p>
+        </p:txBody>
+      </p:sp>
+      <p:sp>
+        <p:nvSpPr>
+          <p:cNvPr id="4" name="Date Placeholder 3"/>
           <p:cNvSpPr>
             <a:spLocks noGrp="1"/>
           </p:cNvSpPr>
@@ -472,13 +805,7 @@
       </p:sp>
       <p:sp>
         <p:nvSpPr>
-          <p:cNvPr id="5" name="Footer Placeholder 4">
-            <a:extLst>
-              <a:ext uri="{FF2B5EF4-FFF2-40B4-BE49-F238E27FC236}">
-                <a16:creationId xmlns:a16="http://schemas.microsoft.com/office/drawing/2014/main" id="{F1644E70-4770-574F-8E04-20653E5D223C}"/>
-              </a:ext>
-            </a:extLst>
-          </p:cNvPr>
+          <p:cNvPr id="5" name="Footer Placeholder 4"/>
           <p:cNvSpPr>
             <a:spLocks noGrp="1"/>
           </p:cNvSpPr>
@@ -497,13 +824,7 @@
       </p:sp>
       <p:sp>
         <p:nvSpPr>
-          <p:cNvPr id="6" name="Slide Number Placeholder 5">
-            <a:extLst>
-              <a:ext uri="{FF2B5EF4-FFF2-40B4-BE49-F238E27FC236}">
-                <a16:creationId xmlns:a16="http://schemas.microsoft.com/office/drawing/2014/main" id="{E0634477-0CAC-F84E-AB42-B7995BEEB8F0}"/>
-              </a:ext>
-            </a:extLst>
-          </p:cNvPr>
+          <p:cNvPr id="6" name="Slide Number Placeholder 5"/>
           <p:cNvSpPr>
             <a:spLocks noGrp="1"/>
           </p:cNvSpPr>
@@ -527,7 +848,7 @@
     </p:spTree>
     <p:extLst>
       <p:ext uri="{BB962C8B-B14F-4D97-AF65-F5344CB8AC3E}">
-        <p14:creationId xmlns:p14="http://schemas.microsoft.com/office/powerpoint/2010/main" val="2060701909"/>
+        <p14:creationId xmlns:p14="http://schemas.microsoft.com/office/powerpoint/2010/main" val="3080225554"/>
       </p:ext>
     </p:extLst>
   </p:cSld>
@@ -556,13 +877,7 @@
       </p:grpSpPr>
       <p:sp>
         <p:nvSpPr>
-          <p:cNvPr id="2" name="Vertical Title 1">
-            <a:extLst>
-              <a:ext uri="{FF2B5EF4-FFF2-40B4-BE49-F238E27FC236}">
-                <a16:creationId xmlns:a16="http://schemas.microsoft.com/office/drawing/2014/main" id="{FE8840A2-F8BC-D14D-8255-81C23A910120}"/>
-              </a:ext>
-            </a:extLst>
-          </p:cNvPr>
+          <p:cNvPr id="2" name="Vertical Title 1"/>
           <p:cNvSpPr>
             <a:spLocks noGrp="1"/>
           </p:cNvSpPr>
@@ -572,8 +887,8 @@
         </p:nvSpPr>
         <p:spPr>
           <a:xfrm>
-            <a:off x="8724900" y="365125"/>
-            <a:ext cx="2628900" cy="5811838"/>
+            <a:off x="3297967" y="122638"/>
+            <a:ext cx="993711" cy="1952078"/>
           </a:xfrm>
         </p:spPr>
         <p:txBody>
@@ -584,19 +899,13 @@
               <a:rPr lang="en-GB"/>
               <a:t>Click to edit Master title style</a:t>
             </a:r>
-            <a:endParaRPr lang="en-US"/>
-          </a:p>
-        </p:txBody>
-      </p:sp>
-      <p:sp>
-        <p:nvSpPr>
-          <p:cNvPr id="3" name="Vertical Text Placeholder 2">
-            <a:extLst>
-              <a:ext uri="{FF2B5EF4-FFF2-40B4-BE49-F238E27FC236}">
-                <a16:creationId xmlns:a16="http://schemas.microsoft.com/office/drawing/2014/main" id="{F4B93CE0-325D-7547-BDCE-6718D9A36875}"/>
-              </a:ext>
-            </a:extLst>
-          </p:cNvPr>
+            <a:endParaRPr lang="en-US" dirty="0"/>
+          </a:p>
+        </p:txBody>
+      </p:sp>
+      <p:sp>
+        <p:nvSpPr>
+          <p:cNvPr id="3" name="Vertical Text Placeholder 2"/>
           <p:cNvSpPr>
             <a:spLocks noGrp="1"/>
           </p:cNvSpPr>
@@ -606,8 +915,8 @@
         </p:nvSpPr>
         <p:spPr>
           <a:xfrm>
-            <a:off x="838200" y="365125"/>
-            <a:ext cx="7734300" cy="5811838"/>
+            <a:off x="316835" y="122638"/>
+            <a:ext cx="2923525" cy="1952078"/>
           </a:xfrm>
         </p:spPr>
         <p:txBody>
@@ -647,19 +956,13 @@
               <a:rPr lang="en-GB"/>
               <a:t>Fifth level</a:t>
             </a:r>
-            <a:endParaRPr lang="en-US"/>
-          </a:p>
-        </p:txBody>
-      </p:sp>
-      <p:sp>
-        <p:nvSpPr>
-          <p:cNvPr id="4" name="Date Placeholder 3">
-            <a:extLst>
-              <a:ext uri="{FF2B5EF4-FFF2-40B4-BE49-F238E27FC236}">
-                <a16:creationId xmlns:a16="http://schemas.microsoft.com/office/drawing/2014/main" id="{F94AD85A-10CA-0844-9022-F4EE388E7461}"/>
-              </a:ext>
-            </a:extLst>
-          </p:cNvPr>
+            <a:endParaRPr lang="en-US" dirty="0"/>
+          </a:p>
+        </p:txBody>
+      </p:sp>
+      <p:sp>
+        <p:nvSpPr>
+          <p:cNvPr id="4" name="Date Placeholder 3"/>
           <p:cNvSpPr>
             <a:spLocks noGrp="1"/>
           </p:cNvSpPr>
@@ -682,13 +985,7 @@
       </p:sp>
       <p:sp>
         <p:nvSpPr>
-          <p:cNvPr id="5" name="Footer Placeholder 4">
-            <a:extLst>
-              <a:ext uri="{FF2B5EF4-FFF2-40B4-BE49-F238E27FC236}">
-                <a16:creationId xmlns:a16="http://schemas.microsoft.com/office/drawing/2014/main" id="{FBB6F3E3-F326-4448-AEF3-BB1D1955C18B}"/>
-              </a:ext>
-            </a:extLst>
-          </p:cNvPr>
+          <p:cNvPr id="5" name="Footer Placeholder 4"/>
           <p:cNvSpPr>
             <a:spLocks noGrp="1"/>
           </p:cNvSpPr>
@@ -707,13 +1004,7 @@
       </p:sp>
       <p:sp>
         <p:nvSpPr>
-          <p:cNvPr id="6" name="Slide Number Placeholder 5">
-            <a:extLst>
-              <a:ext uri="{FF2B5EF4-FFF2-40B4-BE49-F238E27FC236}">
-                <a16:creationId xmlns:a16="http://schemas.microsoft.com/office/drawing/2014/main" id="{9823E1B5-7459-2745-B4AE-8BEBFB3E2873}"/>
-              </a:ext>
-            </a:extLst>
-          </p:cNvPr>
+          <p:cNvPr id="6" name="Slide Number Placeholder 5"/>
           <p:cNvSpPr>
             <a:spLocks noGrp="1"/>
           </p:cNvSpPr>
@@ -737,7 +1028,7 @@
     </p:spTree>
     <p:extLst>
       <p:ext uri="{BB962C8B-B14F-4D97-AF65-F5344CB8AC3E}">
-        <p14:creationId xmlns:p14="http://schemas.microsoft.com/office/powerpoint/2010/main" val="2576477916"/>
+        <p14:creationId xmlns:p14="http://schemas.microsoft.com/office/powerpoint/2010/main" val="3662997460"/>
       </p:ext>
     </p:extLst>
   </p:cSld>
@@ -766,13 +1057,7 @@
       </p:grpSpPr>
       <p:sp>
         <p:nvSpPr>
-          <p:cNvPr id="2" name="Title 1">
-            <a:extLst>
-              <a:ext uri="{FF2B5EF4-FFF2-40B4-BE49-F238E27FC236}">
-                <a16:creationId xmlns:a16="http://schemas.microsoft.com/office/drawing/2014/main" id="{A6BE1742-7064-A240-A824-FBAAB6D2BDD9}"/>
-              </a:ext>
-            </a:extLst>
-          </p:cNvPr>
+          <p:cNvPr id="2" name="Title 1"/>
           <p:cNvSpPr>
             <a:spLocks noGrp="1"/>
           </p:cNvSpPr>
@@ -789,19 +1074,13 @@
               <a:rPr lang="en-GB"/>
               <a:t>Click to edit Master title style</a:t>
             </a:r>
-            <a:endParaRPr lang="en-US"/>
-          </a:p>
-        </p:txBody>
-      </p:sp>
-      <p:sp>
-        <p:nvSpPr>
-          <p:cNvPr id="3" name="Content Placeholder 2">
-            <a:extLst>
-              <a:ext uri="{FF2B5EF4-FFF2-40B4-BE49-F238E27FC236}">
-                <a16:creationId xmlns:a16="http://schemas.microsoft.com/office/drawing/2014/main" id="{648A5AE2-AE25-F044-89CB-1E2B289B6BB7}"/>
-              </a:ext>
-            </a:extLst>
-          </p:cNvPr>
+            <a:endParaRPr lang="en-US" dirty="0"/>
+          </a:p>
+        </p:txBody>
+      </p:sp>
+      <p:sp>
+        <p:nvSpPr>
+          <p:cNvPr id="3" name="Content Placeholder 2"/>
           <p:cNvSpPr>
             <a:spLocks noGrp="1"/>
           </p:cNvSpPr>
@@ -847,19 +1126,13 @@
               <a:rPr lang="en-GB"/>
               <a:t>Fifth level</a:t>
             </a:r>
-            <a:endParaRPr lang="en-US"/>
-          </a:p>
-        </p:txBody>
-      </p:sp>
-      <p:sp>
-        <p:nvSpPr>
-          <p:cNvPr id="4" name="Date Placeholder 3">
-            <a:extLst>
-              <a:ext uri="{FF2B5EF4-FFF2-40B4-BE49-F238E27FC236}">
-                <a16:creationId xmlns:a16="http://schemas.microsoft.com/office/drawing/2014/main" id="{932107E9-1535-BC4E-A9A6-80C804BE8476}"/>
-              </a:ext>
-            </a:extLst>
-          </p:cNvPr>
+            <a:endParaRPr lang="en-US" dirty="0"/>
+          </a:p>
+        </p:txBody>
+      </p:sp>
+      <p:sp>
+        <p:nvSpPr>
+          <p:cNvPr id="4" name="Date Placeholder 3"/>
           <p:cNvSpPr>
             <a:spLocks noGrp="1"/>
           </p:cNvSpPr>
@@ -882,13 +1155,7 @@
       </p:sp>
       <p:sp>
         <p:nvSpPr>
-          <p:cNvPr id="5" name="Footer Placeholder 4">
-            <a:extLst>
-              <a:ext uri="{FF2B5EF4-FFF2-40B4-BE49-F238E27FC236}">
-                <a16:creationId xmlns:a16="http://schemas.microsoft.com/office/drawing/2014/main" id="{B489E825-8099-B145-B4EE-14B817CEFA47}"/>
-              </a:ext>
-            </a:extLst>
-          </p:cNvPr>
+          <p:cNvPr id="5" name="Footer Placeholder 4"/>
           <p:cNvSpPr>
             <a:spLocks noGrp="1"/>
           </p:cNvSpPr>
@@ -907,13 +1174,7 @@
       </p:sp>
       <p:sp>
         <p:nvSpPr>
-          <p:cNvPr id="6" name="Slide Number Placeholder 5">
-            <a:extLst>
-              <a:ext uri="{FF2B5EF4-FFF2-40B4-BE49-F238E27FC236}">
-                <a16:creationId xmlns:a16="http://schemas.microsoft.com/office/drawing/2014/main" id="{8552FD98-9587-394E-9E8C-F65A32E48275}"/>
-              </a:ext>
-            </a:extLst>
-          </p:cNvPr>
+          <p:cNvPr id="6" name="Slide Number Placeholder 5"/>
           <p:cNvSpPr>
             <a:spLocks noGrp="1"/>
           </p:cNvSpPr>
@@ -937,7 +1198,7 @@
     </p:spTree>
     <p:extLst>
       <p:ext uri="{BB962C8B-B14F-4D97-AF65-F5344CB8AC3E}">
-        <p14:creationId xmlns:p14="http://schemas.microsoft.com/office/powerpoint/2010/main" val="2226218382"/>
+        <p14:creationId xmlns:p14="http://schemas.microsoft.com/office/powerpoint/2010/main" val="2865460546"/>
       </p:ext>
     </p:extLst>
   </p:cSld>
@@ -966,13 +1227,7 @@
       </p:grpSpPr>
       <p:sp>
         <p:nvSpPr>
-          <p:cNvPr id="2" name="Title 1">
-            <a:extLst>
-              <a:ext uri="{FF2B5EF4-FFF2-40B4-BE49-F238E27FC236}">
-                <a16:creationId xmlns:a16="http://schemas.microsoft.com/office/drawing/2014/main" id="{D14C9F17-B9D3-1A49-A8EE-208E33A18AA4}"/>
-              </a:ext>
-            </a:extLst>
-          </p:cNvPr>
+          <p:cNvPr id="2" name="Title 1"/>
           <p:cNvSpPr>
             <a:spLocks noGrp="1"/>
           </p:cNvSpPr>
@@ -982,15 +1237,15 @@
         </p:nvSpPr>
         <p:spPr>
           <a:xfrm>
-            <a:off x="831850" y="1709738"/>
-            <a:ext cx="10515600" cy="2852737"/>
+            <a:off x="314435" y="574267"/>
+            <a:ext cx="3974842" cy="958176"/>
           </a:xfrm>
         </p:spPr>
         <p:txBody>
           <a:bodyPr anchor="b"/>
           <a:lstStyle>
             <a:lvl1pPr>
-              <a:defRPr sz="6000"/>
+              <a:defRPr sz="2015"/>
             </a:lvl1pPr>
           </a:lstStyle>
           <a:p>
@@ -998,19 +1253,13 @@
               <a:rPr lang="en-GB"/>
               <a:t>Click to edit Master title style</a:t>
             </a:r>
-            <a:endParaRPr lang="en-US"/>
-          </a:p>
-        </p:txBody>
-      </p:sp>
-      <p:sp>
-        <p:nvSpPr>
-          <p:cNvPr id="3" name="Text Placeholder 2">
-            <a:extLst>
-              <a:ext uri="{FF2B5EF4-FFF2-40B4-BE49-F238E27FC236}">
-                <a16:creationId xmlns:a16="http://schemas.microsoft.com/office/drawing/2014/main" id="{618CB0F0-E2B1-B64D-AFE1-B1F05DFB99A6}"/>
-              </a:ext>
-            </a:extLst>
-          </p:cNvPr>
+            <a:endParaRPr lang="en-US" dirty="0"/>
+          </a:p>
+        </p:txBody>
+      </p:sp>
+      <p:sp>
+        <p:nvSpPr>
+          <p:cNvPr id="3" name="Text Placeholder 2"/>
           <p:cNvSpPr>
             <a:spLocks noGrp="1"/>
           </p:cNvSpPr>
@@ -1020,8 +1269,8 @@
         </p:nvSpPr>
         <p:spPr>
           <a:xfrm>
-            <a:off x="831850" y="4589463"/>
-            <a:ext cx="10515600" cy="1500187"/>
+            <a:off x="314435" y="1541508"/>
+            <a:ext cx="3974842" cy="503882"/>
           </a:xfrm>
         </p:spPr>
         <p:txBody>
@@ -1029,7 +1278,7 @@
           <a:lstStyle>
             <a:lvl1pPr marL="0" indent="0">
               <a:buNone/>
-              <a:defRPr sz="2400">
+              <a:defRPr sz="806">
                 <a:solidFill>
                   <a:schemeClr val="tx1">
                     <a:tint val="75000"/>
@@ -1037,9 +1286,9 @@
                 </a:solidFill>
               </a:defRPr>
             </a:lvl1pPr>
-            <a:lvl2pPr marL="457200" indent="0">
-              <a:buNone/>
-              <a:defRPr sz="2000">
+            <a:lvl2pPr marL="153573" indent="0">
+              <a:buNone/>
+              <a:defRPr sz="672">
                 <a:solidFill>
                   <a:schemeClr val="tx1">
                     <a:tint val="75000"/>
@@ -1047,9 +1296,9 @@
                 </a:solidFill>
               </a:defRPr>
             </a:lvl2pPr>
-            <a:lvl3pPr marL="914400" indent="0">
-              <a:buNone/>
-              <a:defRPr sz="1800">
+            <a:lvl3pPr marL="307147" indent="0">
+              <a:buNone/>
+              <a:defRPr sz="605">
                 <a:solidFill>
                   <a:schemeClr val="tx1">
                     <a:tint val="75000"/>
@@ -1057,9 +1306,9 @@
                 </a:solidFill>
               </a:defRPr>
             </a:lvl3pPr>
-            <a:lvl4pPr marL="1371600" indent="0">
-              <a:buNone/>
-              <a:defRPr sz="1600">
+            <a:lvl4pPr marL="460720" indent="0">
+              <a:buNone/>
+              <a:defRPr sz="537">
                 <a:solidFill>
                   <a:schemeClr val="tx1">
                     <a:tint val="75000"/>
@@ -1067,9 +1316,9 @@
                 </a:solidFill>
               </a:defRPr>
             </a:lvl4pPr>
-            <a:lvl5pPr marL="1828800" indent="0">
-              <a:buNone/>
-              <a:defRPr sz="1600">
+            <a:lvl5pPr marL="614294" indent="0">
+              <a:buNone/>
+              <a:defRPr sz="537">
                 <a:solidFill>
                   <a:schemeClr val="tx1">
                     <a:tint val="75000"/>
@@ -1077,9 +1326,9 @@
                 </a:solidFill>
               </a:defRPr>
             </a:lvl5pPr>
-            <a:lvl6pPr marL="2286000" indent="0">
-              <a:buNone/>
-              <a:defRPr sz="1600">
+            <a:lvl6pPr marL="767867" indent="0">
+              <a:buNone/>
+              <a:defRPr sz="537">
                 <a:solidFill>
                   <a:schemeClr val="tx1">
                     <a:tint val="75000"/>
@@ -1087,9 +1336,9 @@
                 </a:solidFill>
               </a:defRPr>
             </a:lvl6pPr>
-            <a:lvl7pPr marL="2743200" indent="0">
-              <a:buNone/>
-              <a:defRPr sz="1600">
+            <a:lvl7pPr marL="921441" indent="0">
+              <a:buNone/>
+              <a:defRPr sz="537">
                 <a:solidFill>
                   <a:schemeClr val="tx1">
                     <a:tint val="75000"/>
@@ -1097,9 +1346,9 @@
                 </a:solidFill>
               </a:defRPr>
             </a:lvl7pPr>
-            <a:lvl8pPr marL="3200400" indent="0">
-              <a:buNone/>
-              <a:defRPr sz="1600">
+            <a:lvl8pPr marL="1075014" indent="0">
+              <a:buNone/>
+              <a:defRPr sz="537">
                 <a:solidFill>
                   <a:schemeClr val="tx1">
                     <a:tint val="75000"/>
@@ -1107,9 +1356,9 @@
                 </a:solidFill>
               </a:defRPr>
             </a:lvl8pPr>
-            <a:lvl9pPr marL="3657600" indent="0">
-              <a:buNone/>
-              <a:defRPr sz="1600">
+            <a:lvl9pPr marL="1228588" indent="0">
+              <a:buNone/>
+              <a:defRPr sz="537">
                 <a:solidFill>
                   <a:schemeClr val="tx1">
                     <a:tint val="75000"/>
@@ -1129,13 +1378,7 @@
       </p:sp>
       <p:sp>
         <p:nvSpPr>
-          <p:cNvPr id="4" name="Date Placeholder 3">
-            <a:extLst>
-              <a:ext uri="{FF2B5EF4-FFF2-40B4-BE49-F238E27FC236}">
-                <a16:creationId xmlns:a16="http://schemas.microsoft.com/office/drawing/2014/main" id="{DE27AA19-CA37-7E48-ADF6-6245B83B2210}"/>
-              </a:ext>
-            </a:extLst>
-          </p:cNvPr>
+          <p:cNvPr id="4" name="Date Placeholder 3"/>
           <p:cNvSpPr>
             <a:spLocks noGrp="1"/>
           </p:cNvSpPr>
@@ -1158,13 +1401,7 @@
       </p:sp>
       <p:sp>
         <p:nvSpPr>
-          <p:cNvPr id="5" name="Footer Placeholder 4">
-            <a:extLst>
-              <a:ext uri="{FF2B5EF4-FFF2-40B4-BE49-F238E27FC236}">
-                <a16:creationId xmlns:a16="http://schemas.microsoft.com/office/drawing/2014/main" id="{E0EDAD60-99CF-6547-88C0-7AF272F08D02}"/>
-              </a:ext>
-            </a:extLst>
-          </p:cNvPr>
+          <p:cNvPr id="5" name="Footer Placeholder 4"/>
           <p:cNvSpPr>
             <a:spLocks noGrp="1"/>
           </p:cNvSpPr>
@@ -1183,13 +1420,7 @@
       </p:sp>
       <p:sp>
         <p:nvSpPr>
-          <p:cNvPr id="6" name="Slide Number Placeholder 5">
-            <a:extLst>
-              <a:ext uri="{FF2B5EF4-FFF2-40B4-BE49-F238E27FC236}">
-                <a16:creationId xmlns:a16="http://schemas.microsoft.com/office/drawing/2014/main" id="{E29BF0CA-0EBE-0043-9A96-0129C0C6C79E}"/>
-              </a:ext>
-            </a:extLst>
-          </p:cNvPr>
+          <p:cNvPr id="6" name="Slide Number Placeholder 5"/>
           <p:cNvSpPr>
             <a:spLocks noGrp="1"/>
           </p:cNvSpPr>
@@ -1213,7 +1444,7 @@
     </p:spTree>
     <p:extLst>
       <p:ext uri="{BB962C8B-B14F-4D97-AF65-F5344CB8AC3E}">
-        <p14:creationId xmlns:p14="http://schemas.microsoft.com/office/powerpoint/2010/main" val="1684279264"/>
+        <p14:creationId xmlns:p14="http://schemas.microsoft.com/office/powerpoint/2010/main" val="3683123020"/>
       </p:ext>
     </p:extLst>
   </p:cSld>
@@ -1242,13 +1473,7 @@
       </p:grpSpPr>
       <p:sp>
         <p:nvSpPr>
-          <p:cNvPr id="2" name="Title 1">
-            <a:extLst>
-              <a:ext uri="{FF2B5EF4-FFF2-40B4-BE49-F238E27FC236}">
-                <a16:creationId xmlns:a16="http://schemas.microsoft.com/office/drawing/2014/main" id="{12D9458A-AFFE-254C-B4B2-ECEC58152B4B}"/>
-              </a:ext>
-            </a:extLst>
-          </p:cNvPr>
+          <p:cNvPr id="2" name="Title 1"/>
           <p:cNvSpPr>
             <a:spLocks noGrp="1"/>
           </p:cNvSpPr>
@@ -1265,19 +1490,13 @@
               <a:rPr lang="en-GB"/>
               <a:t>Click to edit Master title style</a:t>
             </a:r>
-            <a:endParaRPr lang="en-US"/>
-          </a:p>
-        </p:txBody>
-      </p:sp>
-      <p:sp>
-        <p:nvSpPr>
-          <p:cNvPr id="3" name="Content Placeholder 2">
-            <a:extLst>
-              <a:ext uri="{FF2B5EF4-FFF2-40B4-BE49-F238E27FC236}">
-                <a16:creationId xmlns:a16="http://schemas.microsoft.com/office/drawing/2014/main" id="{AA6790B2-EB6B-8F43-9685-EAC08D3DA123}"/>
-              </a:ext>
-            </a:extLst>
-          </p:cNvPr>
+            <a:endParaRPr lang="en-US" dirty="0"/>
+          </a:p>
+        </p:txBody>
+      </p:sp>
+      <p:sp>
+        <p:nvSpPr>
+          <p:cNvPr id="3" name="Content Placeholder 2"/>
           <p:cNvSpPr>
             <a:spLocks noGrp="1"/>
           </p:cNvSpPr>
@@ -1287,8 +1506,8 @@
         </p:nvSpPr>
         <p:spPr>
           <a:xfrm>
-            <a:off x="838200" y="1825625"/>
-            <a:ext cx="5181600" cy="4351338"/>
+            <a:off x="316835" y="613190"/>
+            <a:ext cx="1958618" cy="1461526"/>
           </a:xfrm>
         </p:spPr>
         <p:txBody>
@@ -1328,19 +1547,13 @@
               <a:rPr lang="en-GB"/>
               <a:t>Fifth level</a:t>
             </a:r>
-            <a:endParaRPr lang="en-US"/>
-          </a:p>
-        </p:txBody>
-      </p:sp>
-      <p:sp>
-        <p:nvSpPr>
-          <p:cNvPr id="4" name="Content Placeholder 3">
-            <a:extLst>
-              <a:ext uri="{FF2B5EF4-FFF2-40B4-BE49-F238E27FC236}">
-                <a16:creationId xmlns:a16="http://schemas.microsoft.com/office/drawing/2014/main" id="{76A80E18-9A88-664C-88DF-4E6FD542AA55}"/>
-              </a:ext>
-            </a:extLst>
-          </p:cNvPr>
+            <a:endParaRPr lang="en-US" dirty="0"/>
+          </a:p>
+        </p:txBody>
+      </p:sp>
+      <p:sp>
+        <p:nvSpPr>
+          <p:cNvPr id="4" name="Content Placeholder 3"/>
           <p:cNvSpPr>
             <a:spLocks noGrp="1"/>
           </p:cNvSpPr>
@@ -1350,8 +1563,8 @@
         </p:nvSpPr>
         <p:spPr>
           <a:xfrm>
-            <a:off x="6172200" y="1825625"/>
-            <a:ext cx="5181600" cy="4351338"/>
+            <a:off x="2333060" y="613190"/>
+            <a:ext cx="1958618" cy="1461526"/>
           </a:xfrm>
         </p:spPr>
         <p:txBody>
@@ -1391,19 +1604,13 @@
               <a:rPr lang="en-GB"/>
               <a:t>Fifth level</a:t>
             </a:r>
-            <a:endParaRPr lang="en-US"/>
-          </a:p>
-        </p:txBody>
-      </p:sp>
-      <p:sp>
-        <p:nvSpPr>
-          <p:cNvPr id="5" name="Date Placeholder 4">
-            <a:extLst>
-              <a:ext uri="{FF2B5EF4-FFF2-40B4-BE49-F238E27FC236}">
-                <a16:creationId xmlns:a16="http://schemas.microsoft.com/office/drawing/2014/main" id="{212B54B8-00B3-ED42-8F2A-E3EC886797C5}"/>
-              </a:ext>
-            </a:extLst>
-          </p:cNvPr>
+            <a:endParaRPr lang="en-US" dirty="0"/>
+          </a:p>
+        </p:txBody>
+      </p:sp>
+      <p:sp>
+        <p:nvSpPr>
+          <p:cNvPr id="5" name="Date Placeholder 4"/>
           <p:cNvSpPr>
             <a:spLocks noGrp="1"/>
           </p:cNvSpPr>
@@ -1426,13 +1633,7 @@
       </p:sp>
       <p:sp>
         <p:nvSpPr>
-          <p:cNvPr id="6" name="Footer Placeholder 5">
-            <a:extLst>
-              <a:ext uri="{FF2B5EF4-FFF2-40B4-BE49-F238E27FC236}">
-                <a16:creationId xmlns:a16="http://schemas.microsoft.com/office/drawing/2014/main" id="{5DD8F893-1954-134B-AEA0-A9A25A00BA2D}"/>
-              </a:ext>
-            </a:extLst>
-          </p:cNvPr>
+          <p:cNvPr id="6" name="Footer Placeholder 5"/>
           <p:cNvSpPr>
             <a:spLocks noGrp="1"/>
           </p:cNvSpPr>
@@ -1451,13 +1652,7 @@
       </p:sp>
       <p:sp>
         <p:nvSpPr>
-          <p:cNvPr id="7" name="Slide Number Placeholder 6">
-            <a:extLst>
-              <a:ext uri="{FF2B5EF4-FFF2-40B4-BE49-F238E27FC236}">
-                <a16:creationId xmlns:a16="http://schemas.microsoft.com/office/drawing/2014/main" id="{9433BB8C-F46F-144F-A899-9B0A0B756AC8}"/>
-              </a:ext>
-            </a:extLst>
-          </p:cNvPr>
+          <p:cNvPr id="7" name="Slide Number Placeholder 6"/>
           <p:cNvSpPr>
             <a:spLocks noGrp="1"/>
           </p:cNvSpPr>
@@ -1481,7 +1676,7 @@
     </p:spTree>
     <p:extLst>
       <p:ext uri="{BB962C8B-B14F-4D97-AF65-F5344CB8AC3E}">
-        <p14:creationId xmlns:p14="http://schemas.microsoft.com/office/powerpoint/2010/main" val="3601724867"/>
+        <p14:creationId xmlns:p14="http://schemas.microsoft.com/office/powerpoint/2010/main" val="3090607870"/>
       </p:ext>
     </p:extLst>
   </p:cSld>
@@ -1510,13 +1705,7 @@
       </p:grpSpPr>
       <p:sp>
         <p:nvSpPr>
-          <p:cNvPr id="2" name="Title 1">
-            <a:extLst>
-              <a:ext uri="{FF2B5EF4-FFF2-40B4-BE49-F238E27FC236}">
-                <a16:creationId xmlns:a16="http://schemas.microsoft.com/office/drawing/2014/main" id="{9E2B9AAE-3D7B-8A40-9248-BD37286CF849}"/>
-              </a:ext>
-            </a:extLst>
-          </p:cNvPr>
+          <p:cNvPr id="2" name="Title 1"/>
           <p:cNvSpPr>
             <a:spLocks noGrp="1"/>
           </p:cNvSpPr>
@@ -1526,8 +1715,8 @@
         </p:nvSpPr>
         <p:spPr>
           <a:xfrm>
-            <a:off x="839788" y="365125"/>
-            <a:ext cx="10515600" cy="1325563"/>
+            <a:off x="317436" y="122638"/>
+            <a:ext cx="3974842" cy="445230"/>
           </a:xfrm>
         </p:spPr>
         <p:txBody>
@@ -1538,19 +1727,13 @@
               <a:rPr lang="en-GB"/>
               <a:t>Click to edit Master title style</a:t>
             </a:r>
-            <a:endParaRPr lang="en-US"/>
-          </a:p>
-        </p:txBody>
-      </p:sp>
-      <p:sp>
-        <p:nvSpPr>
-          <p:cNvPr id="3" name="Text Placeholder 2">
-            <a:extLst>
-              <a:ext uri="{FF2B5EF4-FFF2-40B4-BE49-F238E27FC236}">
-                <a16:creationId xmlns:a16="http://schemas.microsoft.com/office/drawing/2014/main" id="{B42660BA-3871-204F-AF95-A5D10CC2D453}"/>
-              </a:ext>
-            </a:extLst>
-          </p:cNvPr>
+            <a:endParaRPr lang="en-US" dirty="0"/>
+          </a:p>
+        </p:txBody>
+      </p:sp>
+      <p:sp>
+        <p:nvSpPr>
+          <p:cNvPr id="3" name="Text Placeholder 2"/>
           <p:cNvSpPr>
             <a:spLocks noGrp="1"/>
           </p:cNvSpPr>
@@ -1560,8 +1743,8 @@
         </p:nvSpPr>
         <p:spPr>
           <a:xfrm>
-            <a:off x="839788" y="1681163"/>
-            <a:ext cx="5157787" cy="823912"/>
+            <a:off x="317436" y="564669"/>
+            <a:ext cx="1949617" cy="276735"/>
           </a:xfrm>
         </p:spPr>
         <p:txBody>
@@ -1569,39 +1752,39 @@
           <a:lstStyle>
             <a:lvl1pPr marL="0" indent="0">
               <a:buNone/>
-              <a:defRPr sz="2400" b="1"/>
+              <a:defRPr sz="806" b="1"/>
             </a:lvl1pPr>
-            <a:lvl2pPr marL="457200" indent="0">
-              <a:buNone/>
-              <a:defRPr sz="2000" b="1"/>
+            <a:lvl2pPr marL="153573" indent="0">
+              <a:buNone/>
+              <a:defRPr sz="672" b="1"/>
             </a:lvl2pPr>
-            <a:lvl3pPr marL="914400" indent="0">
-              <a:buNone/>
-              <a:defRPr sz="1800" b="1"/>
+            <a:lvl3pPr marL="307147" indent="0">
+              <a:buNone/>
+              <a:defRPr sz="605" b="1"/>
             </a:lvl3pPr>
-            <a:lvl4pPr marL="1371600" indent="0">
-              <a:buNone/>
-              <a:defRPr sz="1600" b="1"/>
+            <a:lvl4pPr marL="460720" indent="0">
+              <a:buNone/>
+              <a:defRPr sz="537" b="1"/>
             </a:lvl4pPr>
-            <a:lvl5pPr marL="1828800" indent="0">
-              <a:buNone/>
-              <a:defRPr sz="1600" b="1"/>
+            <a:lvl5pPr marL="614294" indent="0">
+              <a:buNone/>
+              <a:defRPr sz="537" b="1"/>
             </a:lvl5pPr>
-            <a:lvl6pPr marL="2286000" indent="0">
-              <a:buNone/>
-              <a:defRPr sz="1600" b="1"/>
+            <a:lvl6pPr marL="767867" indent="0">
+              <a:buNone/>
+              <a:defRPr sz="537" b="1"/>
             </a:lvl6pPr>
-            <a:lvl7pPr marL="2743200" indent="0">
-              <a:buNone/>
-              <a:defRPr sz="1600" b="1"/>
+            <a:lvl7pPr marL="921441" indent="0">
+              <a:buNone/>
+              <a:defRPr sz="537" b="1"/>
             </a:lvl7pPr>
-            <a:lvl8pPr marL="3200400" indent="0">
-              <a:buNone/>
-              <a:defRPr sz="1600" b="1"/>
+            <a:lvl8pPr marL="1075014" indent="0">
+              <a:buNone/>
+              <a:defRPr sz="537" b="1"/>
             </a:lvl8pPr>
-            <a:lvl9pPr marL="3657600" indent="0">
-              <a:buNone/>
-              <a:defRPr sz="1600" b="1"/>
+            <a:lvl9pPr marL="1228588" indent="0">
+              <a:buNone/>
+              <a:defRPr sz="537" b="1"/>
             </a:lvl9pPr>
           </a:lstStyle>
           <a:p>
@@ -1615,13 +1798,7 @@
       </p:sp>
       <p:sp>
         <p:nvSpPr>
-          <p:cNvPr id="4" name="Content Placeholder 3">
-            <a:extLst>
-              <a:ext uri="{FF2B5EF4-FFF2-40B4-BE49-F238E27FC236}">
-                <a16:creationId xmlns:a16="http://schemas.microsoft.com/office/drawing/2014/main" id="{BF2C2E02-9F4B-574E-BBC3-5A3265471536}"/>
-              </a:ext>
-            </a:extLst>
-          </p:cNvPr>
+          <p:cNvPr id="4" name="Content Placeholder 3"/>
           <p:cNvSpPr>
             <a:spLocks noGrp="1"/>
           </p:cNvSpPr>
@@ -1631,8 +1808,8 @@
         </p:nvSpPr>
         <p:spPr>
           <a:xfrm>
-            <a:off x="839788" y="2505075"/>
-            <a:ext cx="5157787" cy="3684588"/>
+            <a:off x="317436" y="841404"/>
+            <a:ext cx="1949617" cy="1237578"/>
           </a:xfrm>
         </p:spPr>
         <p:txBody>
@@ -1672,19 +1849,13 @@
               <a:rPr lang="en-GB"/>
               <a:t>Fifth level</a:t>
             </a:r>
-            <a:endParaRPr lang="en-US"/>
-          </a:p>
-        </p:txBody>
-      </p:sp>
-      <p:sp>
-        <p:nvSpPr>
-          <p:cNvPr id="5" name="Text Placeholder 4">
-            <a:extLst>
-              <a:ext uri="{FF2B5EF4-FFF2-40B4-BE49-F238E27FC236}">
-                <a16:creationId xmlns:a16="http://schemas.microsoft.com/office/drawing/2014/main" id="{AD9257A6-F695-244C-B5EF-ED5C869789FC}"/>
-              </a:ext>
-            </a:extLst>
-          </p:cNvPr>
+            <a:endParaRPr lang="en-US" dirty="0"/>
+          </a:p>
+        </p:txBody>
+      </p:sp>
+      <p:sp>
+        <p:nvSpPr>
+          <p:cNvPr id="5" name="Text Placeholder 4"/>
           <p:cNvSpPr>
             <a:spLocks noGrp="1"/>
           </p:cNvSpPr>
@@ -1694,8 +1865,8 @@
         </p:nvSpPr>
         <p:spPr>
           <a:xfrm>
-            <a:off x="6172200" y="1681163"/>
-            <a:ext cx="5183188" cy="823912"/>
+            <a:off x="2333060" y="564669"/>
+            <a:ext cx="1959218" cy="276735"/>
           </a:xfrm>
         </p:spPr>
         <p:txBody>
@@ -1703,39 +1874,39 @@
           <a:lstStyle>
             <a:lvl1pPr marL="0" indent="0">
               <a:buNone/>
-              <a:defRPr sz="2400" b="1"/>
+              <a:defRPr sz="806" b="1"/>
             </a:lvl1pPr>
-            <a:lvl2pPr marL="457200" indent="0">
-              <a:buNone/>
-              <a:defRPr sz="2000" b="1"/>
+            <a:lvl2pPr marL="153573" indent="0">
+              <a:buNone/>
+              <a:defRPr sz="672" b="1"/>
             </a:lvl2pPr>
-            <a:lvl3pPr marL="914400" indent="0">
-              <a:buNone/>
-              <a:defRPr sz="1800" b="1"/>
+            <a:lvl3pPr marL="307147" indent="0">
+              <a:buNone/>
+              <a:defRPr sz="605" b="1"/>
             </a:lvl3pPr>
-            <a:lvl4pPr marL="1371600" indent="0">
-              <a:buNone/>
-              <a:defRPr sz="1600" b="1"/>
+            <a:lvl4pPr marL="460720" indent="0">
+              <a:buNone/>
+              <a:defRPr sz="537" b="1"/>
             </a:lvl4pPr>
-            <a:lvl5pPr marL="1828800" indent="0">
-              <a:buNone/>
-              <a:defRPr sz="1600" b="1"/>
+            <a:lvl5pPr marL="614294" indent="0">
+              <a:buNone/>
+              <a:defRPr sz="537" b="1"/>
             </a:lvl5pPr>
-            <a:lvl6pPr marL="2286000" indent="0">
-              <a:buNone/>
-              <a:defRPr sz="1600" b="1"/>
+            <a:lvl6pPr marL="767867" indent="0">
+              <a:buNone/>
+              <a:defRPr sz="537" b="1"/>
             </a:lvl6pPr>
-            <a:lvl7pPr marL="2743200" indent="0">
-              <a:buNone/>
-              <a:defRPr sz="1600" b="1"/>
+            <a:lvl7pPr marL="921441" indent="0">
+              <a:buNone/>
+              <a:defRPr sz="537" b="1"/>
             </a:lvl7pPr>
-            <a:lvl8pPr marL="3200400" indent="0">
-              <a:buNone/>
-              <a:defRPr sz="1600" b="1"/>
+            <a:lvl8pPr marL="1075014" indent="0">
+              <a:buNone/>
+              <a:defRPr sz="537" b="1"/>
             </a:lvl8pPr>
-            <a:lvl9pPr marL="3657600" indent="0">
-              <a:buNone/>
-              <a:defRPr sz="1600" b="1"/>
+            <a:lvl9pPr marL="1228588" indent="0">
+              <a:buNone/>
+              <a:defRPr sz="537" b="1"/>
             </a:lvl9pPr>
           </a:lstStyle>
           <a:p>
@@ -1749,13 +1920,7 @@
       </p:sp>
       <p:sp>
         <p:nvSpPr>
-          <p:cNvPr id="6" name="Content Placeholder 5">
-            <a:extLst>
-              <a:ext uri="{FF2B5EF4-FFF2-40B4-BE49-F238E27FC236}">
-                <a16:creationId xmlns:a16="http://schemas.microsoft.com/office/drawing/2014/main" id="{5F6CBC1F-1981-CD4D-8E9D-5B7EDF682663}"/>
-              </a:ext>
-            </a:extLst>
-          </p:cNvPr>
+          <p:cNvPr id="6" name="Content Placeholder 5"/>
           <p:cNvSpPr>
             <a:spLocks noGrp="1"/>
           </p:cNvSpPr>
@@ -1765,8 +1930,8 @@
         </p:nvSpPr>
         <p:spPr>
           <a:xfrm>
-            <a:off x="6172200" y="2505075"/>
-            <a:ext cx="5183188" cy="3684588"/>
+            <a:off x="2333060" y="841404"/>
+            <a:ext cx="1959218" cy="1237578"/>
           </a:xfrm>
         </p:spPr>
         <p:txBody>
@@ -1806,19 +1971,13 @@
               <a:rPr lang="en-GB"/>
               <a:t>Fifth level</a:t>
             </a:r>
-            <a:endParaRPr lang="en-US"/>
-          </a:p>
-        </p:txBody>
-      </p:sp>
-      <p:sp>
-        <p:nvSpPr>
-          <p:cNvPr id="7" name="Date Placeholder 6">
-            <a:extLst>
-              <a:ext uri="{FF2B5EF4-FFF2-40B4-BE49-F238E27FC236}">
-                <a16:creationId xmlns:a16="http://schemas.microsoft.com/office/drawing/2014/main" id="{00A9AF35-62A7-124E-A298-CFD9BECC3CB5}"/>
-              </a:ext>
-            </a:extLst>
-          </p:cNvPr>
+            <a:endParaRPr lang="en-US" dirty="0"/>
+          </a:p>
+        </p:txBody>
+      </p:sp>
+      <p:sp>
+        <p:nvSpPr>
+          <p:cNvPr id="7" name="Date Placeholder 6"/>
           <p:cNvSpPr>
             <a:spLocks noGrp="1"/>
           </p:cNvSpPr>
@@ -1841,13 +2000,7 @@
       </p:sp>
       <p:sp>
         <p:nvSpPr>
-          <p:cNvPr id="8" name="Footer Placeholder 7">
-            <a:extLst>
-              <a:ext uri="{FF2B5EF4-FFF2-40B4-BE49-F238E27FC236}">
-                <a16:creationId xmlns:a16="http://schemas.microsoft.com/office/drawing/2014/main" id="{94BE8129-2526-534A-82BB-5D40E1BD1DE4}"/>
-              </a:ext>
-            </a:extLst>
-          </p:cNvPr>
+          <p:cNvPr id="8" name="Footer Placeholder 7"/>
           <p:cNvSpPr>
             <a:spLocks noGrp="1"/>
           </p:cNvSpPr>
@@ -1866,13 +2019,7 @@
       </p:sp>
       <p:sp>
         <p:nvSpPr>
-          <p:cNvPr id="9" name="Slide Number Placeholder 8">
-            <a:extLst>
-              <a:ext uri="{FF2B5EF4-FFF2-40B4-BE49-F238E27FC236}">
-                <a16:creationId xmlns:a16="http://schemas.microsoft.com/office/drawing/2014/main" id="{5F66FFF1-7888-8849-8B16-4735FF3CFE56}"/>
-              </a:ext>
-            </a:extLst>
-          </p:cNvPr>
+          <p:cNvPr id="9" name="Slide Number Placeholder 8"/>
           <p:cNvSpPr>
             <a:spLocks noGrp="1"/>
           </p:cNvSpPr>
@@ -1896,7 +2043,7 @@
     </p:spTree>
     <p:extLst>
       <p:ext uri="{BB962C8B-B14F-4D97-AF65-F5344CB8AC3E}">
-        <p14:creationId xmlns:p14="http://schemas.microsoft.com/office/powerpoint/2010/main" val="353240047"/>
+        <p14:creationId xmlns:p14="http://schemas.microsoft.com/office/powerpoint/2010/main" val="2678267220"/>
       </p:ext>
     </p:extLst>
   </p:cSld>
@@ -1925,13 +2072,7 @@
       </p:grpSpPr>
       <p:sp>
         <p:nvSpPr>
-          <p:cNvPr id="2" name="Title 1">
-            <a:extLst>
-              <a:ext uri="{FF2B5EF4-FFF2-40B4-BE49-F238E27FC236}">
-                <a16:creationId xmlns:a16="http://schemas.microsoft.com/office/drawing/2014/main" id="{AE656522-E734-3D40-B1CB-7A397A379E99}"/>
-              </a:ext>
-            </a:extLst>
-          </p:cNvPr>
+          <p:cNvPr id="2" name="Title 1"/>
           <p:cNvSpPr>
             <a:spLocks noGrp="1"/>
           </p:cNvSpPr>
@@ -1948,19 +2089,13 @@
               <a:rPr lang="en-GB"/>
               <a:t>Click to edit Master title style</a:t>
             </a:r>
-            <a:endParaRPr lang="en-US"/>
-          </a:p>
-        </p:txBody>
-      </p:sp>
-      <p:sp>
-        <p:nvSpPr>
-          <p:cNvPr id="3" name="Date Placeholder 2">
-            <a:extLst>
-              <a:ext uri="{FF2B5EF4-FFF2-40B4-BE49-F238E27FC236}">
-                <a16:creationId xmlns:a16="http://schemas.microsoft.com/office/drawing/2014/main" id="{2290F8C4-E234-AC48-93AB-5140773702A4}"/>
-              </a:ext>
-            </a:extLst>
-          </p:cNvPr>
+            <a:endParaRPr lang="en-US" dirty="0"/>
+          </a:p>
+        </p:txBody>
+      </p:sp>
+      <p:sp>
+        <p:nvSpPr>
+          <p:cNvPr id="3" name="Date Placeholder 2"/>
           <p:cNvSpPr>
             <a:spLocks noGrp="1"/>
           </p:cNvSpPr>
@@ -1983,13 +2118,7 @@
       </p:sp>
       <p:sp>
         <p:nvSpPr>
-          <p:cNvPr id="4" name="Footer Placeholder 3">
-            <a:extLst>
-              <a:ext uri="{FF2B5EF4-FFF2-40B4-BE49-F238E27FC236}">
-                <a16:creationId xmlns:a16="http://schemas.microsoft.com/office/drawing/2014/main" id="{EB1A446F-1C79-EA4C-8D2E-3BA7FCF92725}"/>
-              </a:ext>
-            </a:extLst>
-          </p:cNvPr>
+          <p:cNvPr id="4" name="Footer Placeholder 3"/>
           <p:cNvSpPr>
             <a:spLocks noGrp="1"/>
           </p:cNvSpPr>
@@ -2008,13 +2137,7 @@
       </p:sp>
       <p:sp>
         <p:nvSpPr>
-          <p:cNvPr id="5" name="Slide Number Placeholder 4">
-            <a:extLst>
-              <a:ext uri="{FF2B5EF4-FFF2-40B4-BE49-F238E27FC236}">
-                <a16:creationId xmlns:a16="http://schemas.microsoft.com/office/drawing/2014/main" id="{ABFBC583-3223-A649-9D69-5C1E13D82569}"/>
-              </a:ext>
-            </a:extLst>
-          </p:cNvPr>
+          <p:cNvPr id="5" name="Slide Number Placeholder 4"/>
           <p:cNvSpPr>
             <a:spLocks noGrp="1"/>
           </p:cNvSpPr>
@@ -2038,7 +2161,7 @@
     </p:spTree>
     <p:extLst>
       <p:ext uri="{BB962C8B-B14F-4D97-AF65-F5344CB8AC3E}">
-        <p14:creationId xmlns:p14="http://schemas.microsoft.com/office/powerpoint/2010/main" val="268400407"/>
+        <p14:creationId xmlns:p14="http://schemas.microsoft.com/office/powerpoint/2010/main" val="2461096508"/>
       </p:ext>
     </p:extLst>
   </p:cSld>
@@ -2067,13 +2190,7 @@
       </p:grpSpPr>
       <p:sp>
         <p:nvSpPr>
-          <p:cNvPr id="2" name="Date Placeholder 1">
-            <a:extLst>
-              <a:ext uri="{FF2B5EF4-FFF2-40B4-BE49-F238E27FC236}">
-                <a16:creationId xmlns:a16="http://schemas.microsoft.com/office/drawing/2014/main" id="{C0FD15D1-DCDD-7140-8D3A-08918367521B}"/>
-              </a:ext>
-            </a:extLst>
-          </p:cNvPr>
+          <p:cNvPr id="2" name="Date Placeholder 1"/>
           <p:cNvSpPr>
             <a:spLocks noGrp="1"/>
           </p:cNvSpPr>
@@ -2096,13 +2213,7 @@
       </p:sp>
       <p:sp>
         <p:nvSpPr>
-          <p:cNvPr id="3" name="Footer Placeholder 2">
-            <a:extLst>
-              <a:ext uri="{FF2B5EF4-FFF2-40B4-BE49-F238E27FC236}">
-                <a16:creationId xmlns:a16="http://schemas.microsoft.com/office/drawing/2014/main" id="{CB8270DC-635E-8142-B2FF-31DA49CFED89}"/>
-              </a:ext>
-            </a:extLst>
-          </p:cNvPr>
+          <p:cNvPr id="3" name="Footer Placeholder 2"/>
           <p:cNvSpPr>
             <a:spLocks noGrp="1"/>
           </p:cNvSpPr>
@@ -2121,13 +2232,7 @@
       </p:sp>
       <p:sp>
         <p:nvSpPr>
-          <p:cNvPr id="4" name="Slide Number Placeholder 3">
-            <a:extLst>
-              <a:ext uri="{FF2B5EF4-FFF2-40B4-BE49-F238E27FC236}">
-                <a16:creationId xmlns:a16="http://schemas.microsoft.com/office/drawing/2014/main" id="{08F7398F-E028-BA49-8E60-E09844D324C5}"/>
-              </a:ext>
-            </a:extLst>
-          </p:cNvPr>
+          <p:cNvPr id="4" name="Slide Number Placeholder 3"/>
           <p:cNvSpPr>
             <a:spLocks noGrp="1"/>
           </p:cNvSpPr>
@@ -2151,7 +2256,7 @@
     </p:spTree>
     <p:extLst>
       <p:ext uri="{BB962C8B-B14F-4D97-AF65-F5344CB8AC3E}">
-        <p14:creationId xmlns:p14="http://schemas.microsoft.com/office/powerpoint/2010/main" val="215092181"/>
+        <p14:creationId xmlns:p14="http://schemas.microsoft.com/office/powerpoint/2010/main" val="1752105634"/>
       </p:ext>
     </p:extLst>
   </p:cSld>
@@ -2180,13 +2285,7 @@
       </p:grpSpPr>
       <p:sp>
         <p:nvSpPr>
-          <p:cNvPr id="2" name="Title 1">
-            <a:extLst>
-              <a:ext uri="{FF2B5EF4-FFF2-40B4-BE49-F238E27FC236}">
-                <a16:creationId xmlns:a16="http://schemas.microsoft.com/office/drawing/2014/main" id="{2842C2BE-53CA-6F40-A051-F6852F9195C3}"/>
-              </a:ext>
-            </a:extLst>
-          </p:cNvPr>
+          <p:cNvPr id="2" name="Title 1"/>
           <p:cNvSpPr>
             <a:spLocks noGrp="1"/>
           </p:cNvSpPr>
@@ -2196,15 +2295,15 @@
         </p:nvSpPr>
         <p:spPr>
           <a:xfrm>
-            <a:off x="839788" y="457200"/>
-            <a:ext cx="3932237" cy="1600200"/>
+            <a:off x="317436" y="153564"/>
+            <a:ext cx="1486365" cy="537475"/>
           </a:xfrm>
         </p:spPr>
         <p:txBody>
           <a:bodyPr anchor="b"/>
           <a:lstStyle>
             <a:lvl1pPr>
-              <a:defRPr sz="3200"/>
+              <a:defRPr sz="1075"/>
             </a:lvl1pPr>
           </a:lstStyle>
           <a:p>
@@ -2212,19 +2311,13 @@
               <a:rPr lang="en-GB"/>
               <a:t>Click to edit Master title style</a:t>
             </a:r>
-            <a:endParaRPr lang="en-US"/>
-          </a:p>
-        </p:txBody>
-      </p:sp>
-      <p:sp>
-        <p:nvSpPr>
-          <p:cNvPr id="3" name="Content Placeholder 2">
-            <a:extLst>
-              <a:ext uri="{FF2B5EF4-FFF2-40B4-BE49-F238E27FC236}">
-                <a16:creationId xmlns:a16="http://schemas.microsoft.com/office/drawing/2014/main" id="{DE4874CC-60EE-DB4C-81CA-C729CEA790F1}"/>
-              </a:ext>
-            </a:extLst>
-          </p:cNvPr>
+            <a:endParaRPr lang="en-US" dirty="0"/>
+          </a:p>
+        </p:txBody>
+      </p:sp>
+      <p:sp>
+        <p:nvSpPr>
+          <p:cNvPr id="3" name="Content Placeholder 2"/>
           <p:cNvSpPr>
             <a:spLocks noGrp="1"/>
           </p:cNvSpPr>
@@ -2234,39 +2327,39 @@
         </p:nvSpPr>
         <p:spPr>
           <a:xfrm>
-            <a:off x="5183188" y="987425"/>
-            <a:ext cx="6172200" cy="4873625"/>
+            <a:off x="1959218" y="331656"/>
+            <a:ext cx="2333060" cy="1636952"/>
           </a:xfrm>
         </p:spPr>
         <p:txBody>
           <a:bodyPr/>
           <a:lstStyle>
             <a:lvl1pPr>
-              <a:defRPr sz="3200"/>
+              <a:defRPr sz="1075"/>
             </a:lvl1pPr>
             <a:lvl2pPr>
-              <a:defRPr sz="2800"/>
+              <a:defRPr sz="941"/>
             </a:lvl2pPr>
             <a:lvl3pPr>
-              <a:defRPr sz="2400"/>
+              <a:defRPr sz="806"/>
             </a:lvl3pPr>
             <a:lvl4pPr>
-              <a:defRPr sz="2000"/>
+              <a:defRPr sz="672"/>
             </a:lvl4pPr>
             <a:lvl5pPr>
-              <a:defRPr sz="2000"/>
+              <a:defRPr sz="672"/>
             </a:lvl5pPr>
             <a:lvl6pPr>
-              <a:defRPr sz="2000"/>
+              <a:defRPr sz="672"/>
             </a:lvl6pPr>
             <a:lvl7pPr>
-              <a:defRPr sz="2000"/>
+              <a:defRPr sz="672"/>
             </a:lvl7pPr>
             <a:lvl8pPr>
-              <a:defRPr sz="2000"/>
+              <a:defRPr sz="672"/>
             </a:lvl8pPr>
             <a:lvl9pPr>
-              <a:defRPr sz="2000"/>
+              <a:defRPr sz="672"/>
             </a:lvl9pPr>
           </a:lstStyle>
           <a:p>
@@ -2303,19 +2396,13 @@
               <a:rPr lang="en-GB"/>
               <a:t>Fifth level</a:t>
             </a:r>
-            <a:endParaRPr lang="en-US"/>
-          </a:p>
-        </p:txBody>
-      </p:sp>
-      <p:sp>
-        <p:nvSpPr>
-          <p:cNvPr id="4" name="Text Placeholder 3">
-            <a:extLst>
-              <a:ext uri="{FF2B5EF4-FFF2-40B4-BE49-F238E27FC236}">
-                <a16:creationId xmlns:a16="http://schemas.microsoft.com/office/drawing/2014/main" id="{5DCA475F-9A13-E34E-ACEE-55C5E74E829F}"/>
-              </a:ext>
-            </a:extLst>
-          </p:cNvPr>
+            <a:endParaRPr lang="en-US" dirty="0"/>
+          </a:p>
+        </p:txBody>
+      </p:sp>
+      <p:sp>
+        <p:nvSpPr>
+          <p:cNvPr id="4" name="Text Placeholder 3"/>
           <p:cNvSpPr>
             <a:spLocks noGrp="1"/>
           </p:cNvSpPr>
@@ -2325,8 +2412,8 @@
         </p:nvSpPr>
         <p:spPr>
           <a:xfrm>
-            <a:off x="839788" y="2057400"/>
-            <a:ext cx="3932237" cy="3811588"/>
+            <a:off x="317436" y="691039"/>
+            <a:ext cx="1486365" cy="1280235"/>
           </a:xfrm>
         </p:spPr>
         <p:txBody>
@@ -2334,39 +2421,39 @@
           <a:lstStyle>
             <a:lvl1pPr marL="0" indent="0">
               <a:buNone/>
-              <a:defRPr sz="1600"/>
+              <a:defRPr sz="537"/>
             </a:lvl1pPr>
-            <a:lvl2pPr marL="457200" indent="0">
-              <a:buNone/>
-              <a:defRPr sz="1400"/>
+            <a:lvl2pPr marL="153573" indent="0">
+              <a:buNone/>
+              <a:defRPr sz="470"/>
             </a:lvl2pPr>
-            <a:lvl3pPr marL="914400" indent="0">
-              <a:buNone/>
-              <a:defRPr sz="1200"/>
+            <a:lvl3pPr marL="307147" indent="0">
+              <a:buNone/>
+              <a:defRPr sz="403"/>
             </a:lvl3pPr>
-            <a:lvl4pPr marL="1371600" indent="0">
-              <a:buNone/>
-              <a:defRPr sz="1000"/>
+            <a:lvl4pPr marL="460720" indent="0">
+              <a:buNone/>
+              <a:defRPr sz="336"/>
             </a:lvl4pPr>
-            <a:lvl5pPr marL="1828800" indent="0">
-              <a:buNone/>
-              <a:defRPr sz="1000"/>
+            <a:lvl5pPr marL="614294" indent="0">
+              <a:buNone/>
+              <a:defRPr sz="336"/>
             </a:lvl5pPr>
-            <a:lvl6pPr marL="2286000" indent="0">
-              <a:buNone/>
-              <a:defRPr sz="1000"/>
+            <a:lvl6pPr marL="767867" indent="0">
+              <a:buNone/>
+              <a:defRPr sz="336"/>
             </a:lvl6pPr>
-            <a:lvl7pPr marL="2743200" indent="0">
-              <a:buNone/>
-              <a:defRPr sz="1000"/>
+            <a:lvl7pPr marL="921441" indent="0">
+              <a:buNone/>
+              <a:defRPr sz="336"/>
             </a:lvl7pPr>
-            <a:lvl8pPr marL="3200400" indent="0">
-              <a:buNone/>
-              <a:defRPr sz="1000"/>
+            <a:lvl8pPr marL="1075014" indent="0">
+              <a:buNone/>
+              <a:defRPr sz="336"/>
             </a:lvl8pPr>
-            <a:lvl9pPr marL="3657600" indent="0">
-              <a:buNone/>
-              <a:defRPr sz="1000"/>
+            <a:lvl9pPr marL="1228588" indent="0">
+              <a:buNone/>
+              <a:defRPr sz="336"/>
             </a:lvl9pPr>
           </a:lstStyle>
           <a:p>
@@ -2380,13 +2467,7 @@
       </p:sp>
       <p:sp>
         <p:nvSpPr>
-          <p:cNvPr id="5" name="Date Placeholder 4">
-            <a:extLst>
-              <a:ext uri="{FF2B5EF4-FFF2-40B4-BE49-F238E27FC236}">
-                <a16:creationId xmlns:a16="http://schemas.microsoft.com/office/drawing/2014/main" id="{FBD5FA71-8338-CF4C-A7A5-E8C690664EE1}"/>
-              </a:ext>
-            </a:extLst>
-          </p:cNvPr>
+          <p:cNvPr id="5" name="Date Placeholder 4"/>
           <p:cNvSpPr>
             <a:spLocks noGrp="1"/>
           </p:cNvSpPr>
@@ -2409,13 +2490,7 @@
       </p:sp>
       <p:sp>
         <p:nvSpPr>
-          <p:cNvPr id="6" name="Footer Placeholder 5">
-            <a:extLst>
-              <a:ext uri="{FF2B5EF4-FFF2-40B4-BE49-F238E27FC236}">
-                <a16:creationId xmlns:a16="http://schemas.microsoft.com/office/drawing/2014/main" id="{9651B19F-86F8-754A-AB58-24CAD3C244CB}"/>
-              </a:ext>
-            </a:extLst>
-          </p:cNvPr>
+          <p:cNvPr id="6" name="Footer Placeholder 5"/>
           <p:cNvSpPr>
             <a:spLocks noGrp="1"/>
           </p:cNvSpPr>
@@ -2434,13 +2509,7 @@
       </p:sp>
       <p:sp>
         <p:nvSpPr>
-          <p:cNvPr id="7" name="Slide Number Placeholder 6">
-            <a:extLst>
-              <a:ext uri="{FF2B5EF4-FFF2-40B4-BE49-F238E27FC236}">
-                <a16:creationId xmlns:a16="http://schemas.microsoft.com/office/drawing/2014/main" id="{A43D36D5-FA66-D643-92C8-21C6C4963B4D}"/>
-              </a:ext>
-            </a:extLst>
-          </p:cNvPr>
+          <p:cNvPr id="7" name="Slide Number Placeholder 6"/>
           <p:cNvSpPr>
             <a:spLocks noGrp="1"/>
           </p:cNvSpPr>
@@ -2464,7 +2533,7 @@
     </p:spTree>
     <p:extLst>
       <p:ext uri="{BB962C8B-B14F-4D97-AF65-F5344CB8AC3E}">
-        <p14:creationId xmlns:p14="http://schemas.microsoft.com/office/powerpoint/2010/main" val="3545337628"/>
+        <p14:creationId xmlns:p14="http://schemas.microsoft.com/office/powerpoint/2010/main" val="3920596081"/>
       </p:ext>
     </p:extLst>
   </p:cSld>
@@ -2493,13 +2562,7 @@
       </p:grpSpPr>
       <p:sp>
         <p:nvSpPr>
-          <p:cNvPr id="2" name="Title 1">
-            <a:extLst>
-              <a:ext uri="{FF2B5EF4-FFF2-40B4-BE49-F238E27FC236}">
-                <a16:creationId xmlns:a16="http://schemas.microsoft.com/office/drawing/2014/main" id="{8EBA60A6-04F1-434E-B4C8-D6CBF5D1CB92}"/>
-              </a:ext>
-            </a:extLst>
-          </p:cNvPr>
+          <p:cNvPr id="2" name="Title 1"/>
           <p:cNvSpPr>
             <a:spLocks noGrp="1"/>
           </p:cNvSpPr>
@@ -2509,15 +2572,15 @@
         </p:nvSpPr>
         <p:spPr>
           <a:xfrm>
-            <a:off x="839788" y="457200"/>
-            <a:ext cx="3932237" cy="1600200"/>
+            <a:off x="317436" y="153564"/>
+            <a:ext cx="1486365" cy="537475"/>
           </a:xfrm>
         </p:spPr>
         <p:txBody>
           <a:bodyPr anchor="b"/>
           <a:lstStyle>
             <a:lvl1pPr>
-              <a:defRPr sz="3200"/>
+              <a:defRPr sz="1075"/>
             </a:lvl1pPr>
           </a:lstStyle>
           <a:p>
@@ -2525,21 +2588,15 @@
               <a:rPr lang="en-GB"/>
               <a:t>Click to edit Master title style</a:t>
             </a:r>
-            <a:endParaRPr lang="en-US"/>
-          </a:p>
-        </p:txBody>
-      </p:sp>
-      <p:sp>
-        <p:nvSpPr>
-          <p:cNvPr id="3" name="Picture Placeholder 2">
-            <a:extLst>
-              <a:ext uri="{FF2B5EF4-FFF2-40B4-BE49-F238E27FC236}">
-                <a16:creationId xmlns:a16="http://schemas.microsoft.com/office/drawing/2014/main" id="{9DDE2DD6-9541-714F-BD0E-EB88FFCA6118}"/>
-              </a:ext>
-            </a:extLst>
-          </p:cNvPr>
-          <p:cNvSpPr>
-            <a:spLocks noGrp="1"/>
+            <a:endParaRPr lang="en-US" dirty="0"/>
+          </a:p>
+        </p:txBody>
+      </p:sp>
+      <p:sp>
+        <p:nvSpPr>
+          <p:cNvPr id="3" name="Picture Placeholder 2"/>
+          <p:cNvSpPr>
+            <a:spLocks noGrp="1" noChangeAspect="1"/>
           </p:cNvSpPr>
           <p:nvPr>
             <p:ph type="pic" idx="1"/>
@@ -2547,64 +2604,62 @@
         </p:nvSpPr>
         <p:spPr>
           <a:xfrm>
-            <a:off x="5183188" y="987425"/>
-            <a:ext cx="6172200" cy="4873625"/>
+            <a:off x="1959218" y="331656"/>
+            <a:ext cx="2333060" cy="1636952"/>
           </a:xfrm>
         </p:spPr>
         <p:txBody>
-          <a:bodyPr/>
+          <a:bodyPr anchor="t"/>
           <a:lstStyle>
             <a:lvl1pPr marL="0" indent="0">
               <a:buNone/>
-              <a:defRPr sz="3200"/>
+              <a:defRPr sz="1075"/>
             </a:lvl1pPr>
-            <a:lvl2pPr marL="457200" indent="0">
-              <a:buNone/>
-              <a:defRPr sz="2800"/>
+            <a:lvl2pPr marL="153573" indent="0">
+              <a:buNone/>
+              <a:defRPr sz="941"/>
             </a:lvl2pPr>
-            <a:lvl3pPr marL="914400" indent="0">
-              <a:buNone/>
-              <a:defRPr sz="2400"/>
+            <a:lvl3pPr marL="307147" indent="0">
+              <a:buNone/>
+              <a:defRPr sz="806"/>
             </a:lvl3pPr>
-            <a:lvl4pPr marL="1371600" indent="0">
-              <a:buNone/>
-              <a:defRPr sz="2000"/>
+            <a:lvl4pPr marL="460720" indent="0">
+              <a:buNone/>
+              <a:defRPr sz="672"/>
             </a:lvl4pPr>
-            <a:lvl5pPr marL="1828800" indent="0">
-              <a:buNone/>
-              <a:defRPr sz="2000"/>
+            <a:lvl5pPr marL="614294" indent="0">
+              <a:buNone/>
+              <a:defRPr sz="672"/>
             </a:lvl5pPr>
-            <a:lvl6pPr marL="2286000" indent="0">
-              <a:buNone/>
-              <a:defRPr sz="2000"/>
+            <a:lvl6pPr marL="767867" indent="0">
+              <a:buNone/>
+              <a:defRPr sz="672"/>
             </a:lvl6pPr>
-            <a:lvl7pPr marL="2743200" indent="0">
-              <a:buNone/>
-              <a:defRPr sz="2000"/>
+            <a:lvl7pPr marL="921441" indent="0">
+              <a:buNone/>
+              <a:defRPr sz="672"/>
             </a:lvl7pPr>
-            <a:lvl8pPr marL="3200400" indent="0">
-              <a:buNone/>
-              <a:defRPr sz="2000"/>
+            <a:lvl8pPr marL="1075014" indent="0">
+              <a:buNone/>
+              <a:defRPr sz="672"/>
             </a:lvl8pPr>
-            <a:lvl9pPr marL="3657600" indent="0">
-              <a:buNone/>
-              <a:defRPr sz="2000"/>
+            <a:lvl9pPr marL="1228588" indent="0">
+              <a:buNone/>
+              <a:defRPr sz="672"/>
             </a:lvl9pPr>
           </a:lstStyle>
           <a:p>
-            <a:endParaRPr lang="en-US"/>
-          </a:p>
-        </p:txBody>
-      </p:sp>
-      <p:sp>
-        <p:nvSpPr>
-          <p:cNvPr id="4" name="Text Placeholder 3">
-            <a:extLst>
-              <a:ext uri="{FF2B5EF4-FFF2-40B4-BE49-F238E27FC236}">
-                <a16:creationId xmlns:a16="http://schemas.microsoft.com/office/drawing/2014/main" id="{AA2A7458-D833-0D45-9323-1CD34C217755}"/>
-              </a:ext>
-            </a:extLst>
-          </p:cNvPr>
+            <a:r>
+              <a:rPr lang="en-GB"/>
+              <a:t>Click icon to add picture</a:t>
+            </a:r>
+            <a:endParaRPr lang="en-US" dirty="0"/>
+          </a:p>
+        </p:txBody>
+      </p:sp>
+      <p:sp>
+        <p:nvSpPr>
+          <p:cNvPr id="4" name="Text Placeholder 3"/>
           <p:cNvSpPr>
             <a:spLocks noGrp="1"/>
           </p:cNvSpPr>
@@ -2614,8 +2669,8 @@
         </p:nvSpPr>
         <p:spPr>
           <a:xfrm>
-            <a:off x="839788" y="2057400"/>
-            <a:ext cx="3932237" cy="3811588"/>
+            <a:off x="317436" y="691039"/>
+            <a:ext cx="1486365" cy="1280235"/>
           </a:xfrm>
         </p:spPr>
         <p:txBody>
@@ -2623,39 +2678,39 @@
           <a:lstStyle>
             <a:lvl1pPr marL="0" indent="0">
               <a:buNone/>
-              <a:defRPr sz="1600"/>
+              <a:defRPr sz="537"/>
             </a:lvl1pPr>
-            <a:lvl2pPr marL="457200" indent="0">
-              <a:buNone/>
-              <a:defRPr sz="1400"/>
+            <a:lvl2pPr marL="153573" indent="0">
+              <a:buNone/>
+              <a:defRPr sz="470"/>
             </a:lvl2pPr>
-            <a:lvl3pPr marL="914400" indent="0">
-              <a:buNone/>
-              <a:defRPr sz="1200"/>
+            <a:lvl3pPr marL="307147" indent="0">
+              <a:buNone/>
+              <a:defRPr sz="403"/>
             </a:lvl3pPr>
-            <a:lvl4pPr marL="1371600" indent="0">
-              <a:buNone/>
-              <a:defRPr sz="1000"/>
+            <a:lvl4pPr marL="460720" indent="0">
+              <a:buNone/>
+              <a:defRPr sz="336"/>
             </a:lvl4pPr>
-            <a:lvl5pPr marL="1828800" indent="0">
-              <a:buNone/>
-              <a:defRPr sz="1000"/>
+            <a:lvl5pPr marL="614294" indent="0">
+              <a:buNone/>
+              <a:defRPr sz="336"/>
             </a:lvl5pPr>
-            <a:lvl6pPr marL="2286000" indent="0">
-              <a:buNone/>
-              <a:defRPr sz="1000"/>
+            <a:lvl6pPr marL="767867" indent="0">
+              <a:buNone/>
+              <a:defRPr sz="336"/>
             </a:lvl6pPr>
-            <a:lvl7pPr marL="2743200" indent="0">
-              <a:buNone/>
-              <a:defRPr sz="1000"/>
+            <a:lvl7pPr marL="921441" indent="0">
+              <a:buNone/>
+              <a:defRPr sz="336"/>
             </a:lvl7pPr>
-            <a:lvl8pPr marL="3200400" indent="0">
-              <a:buNone/>
-              <a:defRPr sz="1000"/>
+            <a:lvl8pPr marL="1075014" indent="0">
+              <a:buNone/>
+              <a:defRPr sz="336"/>
             </a:lvl8pPr>
-            <a:lvl9pPr marL="3657600" indent="0">
-              <a:buNone/>
-              <a:defRPr sz="1000"/>
+            <a:lvl9pPr marL="1228588" indent="0">
+              <a:buNone/>
+              <a:defRPr sz="336"/>
             </a:lvl9pPr>
           </a:lstStyle>
           <a:p>
@@ -2669,13 +2724,7 @@
       </p:sp>
       <p:sp>
         <p:nvSpPr>
-          <p:cNvPr id="5" name="Date Placeholder 4">
-            <a:extLst>
-              <a:ext uri="{FF2B5EF4-FFF2-40B4-BE49-F238E27FC236}">
-                <a16:creationId xmlns:a16="http://schemas.microsoft.com/office/drawing/2014/main" id="{82F336D2-2868-6642-B846-221591184909}"/>
-              </a:ext>
-            </a:extLst>
-          </p:cNvPr>
+          <p:cNvPr id="5" name="Date Placeholder 4"/>
           <p:cNvSpPr>
             <a:spLocks noGrp="1"/>
           </p:cNvSpPr>
@@ -2698,13 +2747,7 @@
       </p:sp>
       <p:sp>
         <p:nvSpPr>
-          <p:cNvPr id="6" name="Footer Placeholder 5">
-            <a:extLst>
-              <a:ext uri="{FF2B5EF4-FFF2-40B4-BE49-F238E27FC236}">
-                <a16:creationId xmlns:a16="http://schemas.microsoft.com/office/drawing/2014/main" id="{B13E2069-2E99-2E48-8A1C-35269B1B0B12}"/>
-              </a:ext>
-            </a:extLst>
-          </p:cNvPr>
+          <p:cNvPr id="6" name="Footer Placeholder 5"/>
           <p:cNvSpPr>
             <a:spLocks noGrp="1"/>
           </p:cNvSpPr>
@@ -2723,13 +2766,7 @@
       </p:sp>
       <p:sp>
         <p:nvSpPr>
-          <p:cNvPr id="7" name="Slide Number Placeholder 6">
-            <a:extLst>
-              <a:ext uri="{FF2B5EF4-FFF2-40B4-BE49-F238E27FC236}">
-                <a16:creationId xmlns:a16="http://schemas.microsoft.com/office/drawing/2014/main" id="{757C7B51-ED66-F449-9B4E-E4EBFE25CD8F}"/>
-              </a:ext>
-            </a:extLst>
-          </p:cNvPr>
+          <p:cNvPr id="7" name="Slide Number Placeholder 6"/>
           <p:cNvSpPr>
             <a:spLocks noGrp="1"/>
           </p:cNvSpPr>
@@ -2753,7 +2790,7 @@
     </p:spTree>
     <p:extLst>
       <p:ext uri="{BB962C8B-B14F-4D97-AF65-F5344CB8AC3E}">
-        <p14:creationId xmlns:p14="http://schemas.microsoft.com/office/powerpoint/2010/main" val="2465088302"/>
+        <p14:creationId xmlns:p14="http://schemas.microsoft.com/office/powerpoint/2010/main" val="3680339812"/>
       </p:ext>
     </p:extLst>
   </p:cSld>
@@ -2787,13 +2824,7 @@
       </p:grpSpPr>
       <p:sp>
         <p:nvSpPr>
-          <p:cNvPr id="2" name="Title Placeholder 1">
-            <a:extLst>
-              <a:ext uri="{FF2B5EF4-FFF2-40B4-BE49-F238E27FC236}">
-                <a16:creationId xmlns:a16="http://schemas.microsoft.com/office/drawing/2014/main" id="{0A1A4B34-EEAD-0C47-A73F-DDEA426591FA}"/>
-              </a:ext>
-            </a:extLst>
-          </p:cNvPr>
+          <p:cNvPr id="2" name="Title Placeholder 1"/>
           <p:cNvSpPr>
             <a:spLocks noGrp="1"/>
           </p:cNvSpPr>
@@ -2803,8 +2834,8 @@
         </p:nvSpPr>
         <p:spPr>
           <a:xfrm>
-            <a:off x="838200" y="365125"/>
-            <a:ext cx="10515600" cy="1325563"/>
+            <a:off x="316836" y="122638"/>
+            <a:ext cx="3974842" cy="445230"/>
           </a:xfrm>
           <a:prstGeom prst="rect">
             <a:avLst/>
@@ -2820,19 +2851,13 @@
               <a:rPr lang="en-GB"/>
               <a:t>Click to edit Master title style</a:t>
             </a:r>
-            <a:endParaRPr lang="en-US"/>
-          </a:p>
-        </p:txBody>
-      </p:sp>
-      <p:sp>
-        <p:nvSpPr>
-          <p:cNvPr id="3" name="Text Placeholder 2">
-            <a:extLst>
-              <a:ext uri="{FF2B5EF4-FFF2-40B4-BE49-F238E27FC236}">
-                <a16:creationId xmlns:a16="http://schemas.microsoft.com/office/drawing/2014/main" id="{64CD1286-B7F8-774C-9AA4-2229EBFCB1F9}"/>
-              </a:ext>
-            </a:extLst>
-          </p:cNvPr>
+            <a:endParaRPr lang="en-US" dirty="0"/>
+          </a:p>
+        </p:txBody>
+      </p:sp>
+      <p:sp>
+        <p:nvSpPr>
+          <p:cNvPr id="3" name="Text Placeholder 2"/>
           <p:cNvSpPr>
             <a:spLocks noGrp="1"/>
           </p:cNvSpPr>
@@ -2842,8 +2867,8 @@
         </p:nvSpPr>
         <p:spPr>
           <a:xfrm>
-            <a:off x="838200" y="1825625"/>
-            <a:ext cx="10515600" cy="4351338"/>
+            <a:off x="316836" y="613190"/>
+            <a:ext cx="3974842" cy="1461526"/>
           </a:xfrm>
           <a:prstGeom prst="rect">
             <a:avLst/>
@@ -2888,19 +2913,13 @@
               <a:rPr lang="en-GB"/>
               <a:t>Fifth level</a:t>
             </a:r>
-            <a:endParaRPr lang="en-US"/>
-          </a:p>
-        </p:txBody>
-      </p:sp>
-      <p:sp>
-        <p:nvSpPr>
-          <p:cNvPr id="4" name="Date Placeholder 3">
-            <a:extLst>
-              <a:ext uri="{FF2B5EF4-FFF2-40B4-BE49-F238E27FC236}">
-                <a16:creationId xmlns:a16="http://schemas.microsoft.com/office/drawing/2014/main" id="{970B3ADD-E913-2F44-BC50-0F8C26E2EA6B}"/>
-              </a:ext>
-            </a:extLst>
-          </p:cNvPr>
+            <a:endParaRPr lang="en-US" dirty="0"/>
+          </a:p>
+        </p:txBody>
+      </p:sp>
+      <p:sp>
+        <p:nvSpPr>
+          <p:cNvPr id="4" name="Date Placeholder 3"/>
           <p:cNvSpPr>
             <a:spLocks noGrp="1"/>
           </p:cNvSpPr>
@@ -2910,8 +2929,8 @@
         </p:nvSpPr>
         <p:spPr>
           <a:xfrm>
-            <a:off x="838200" y="6356350"/>
-            <a:ext cx="2743200" cy="365125"/>
+            <a:off x="316835" y="2134969"/>
+            <a:ext cx="1036915" cy="122638"/>
           </a:xfrm>
           <a:prstGeom prst="rect">
             <a:avLst/>
@@ -2921,7 +2940,7 @@
           <a:bodyPr vert="horz" lIns="91440" tIns="45720" rIns="91440" bIns="45720" rtlCol="0" anchor="ctr"/>
           <a:lstStyle>
             <a:lvl1pPr algn="l">
-              <a:defRPr sz="1200">
+              <a:defRPr sz="403">
                 <a:solidFill>
                   <a:schemeClr val="tx1">
                     <a:tint val="75000"/>
@@ -2941,13 +2960,7 @@
       </p:sp>
       <p:sp>
         <p:nvSpPr>
-          <p:cNvPr id="5" name="Footer Placeholder 4">
-            <a:extLst>
-              <a:ext uri="{FF2B5EF4-FFF2-40B4-BE49-F238E27FC236}">
-                <a16:creationId xmlns:a16="http://schemas.microsoft.com/office/drawing/2014/main" id="{8D3C4D2F-F9E3-B841-93F5-6EB572FC3520}"/>
-              </a:ext>
-            </a:extLst>
-          </p:cNvPr>
+          <p:cNvPr id="5" name="Footer Placeholder 4"/>
           <p:cNvSpPr>
             <a:spLocks noGrp="1"/>
           </p:cNvSpPr>
@@ -2957,8 +2970,8 @@
         </p:nvSpPr>
         <p:spPr>
           <a:xfrm>
-            <a:off x="4038600" y="6356350"/>
-            <a:ext cx="4114800" cy="365125"/>
+            <a:off x="1526570" y="2134969"/>
+            <a:ext cx="1555373" cy="122638"/>
           </a:xfrm>
           <a:prstGeom prst="rect">
             <a:avLst/>
@@ -2968,7 +2981,7 @@
           <a:bodyPr vert="horz" lIns="91440" tIns="45720" rIns="91440" bIns="45720" rtlCol="0" anchor="ctr"/>
           <a:lstStyle>
             <a:lvl1pPr algn="ctr">
-              <a:defRPr sz="1200">
+              <a:defRPr sz="403">
                 <a:solidFill>
                   <a:schemeClr val="tx1">
                     <a:tint val="75000"/>
@@ -2984,13 +2997,7 @@
       </p:sp>
       <p:sp>
         <p:nvSpPr>
-          <p:cNvPr id="6" name="Slide Number Placeholder 5">
-            <a:extLst>
-              <a:ext uri="{FF2B5EF4-FFF2-40B4-BE49-F238E27FC236}">
-                <a16:creationId xmlns:a16="http://schemas.microsoft.com/office/drawing/2014/main" id="{DC571DBF-1A4A-DB49-929E-935E45DFEF50}"/>
-              </a:ext>
-            </a:extLst>
-          </p:cNvPr>
+          <p:cNvPr id="6" name="Slide Number Placeholder 5"/>
           <p:cNvSpPr>
             <a:spLocks noGrp="1"/>
           </p:cNvSpPr>
@@ -3000,8 +3007,8 @@
         </p:nvSpPr>
         <p:spPr>
           <a:xfrm>
-            <a:off x="8610600" y="6356350"/>
-            <a:ext cx="2743200" cy="365125"/>
+            <a:off x="3254763" y="2134969"/>
+            <a:ext cx="1036915" cy="122638"/>
           </a:xfrm>
           <a:prstGeom prst="rect">
             <a:avLst/>
@@ -3011,7 +3018,7 @@
           <a:bodyPr vert="horz" lIns="91440" tIns="45720" rIns="91440" bIns="45720" rtlCol="0" anchor="ctr"/>
           <a:lstStyle>
             <a:lvl1pPr algn="r">
-              <a:defRPr sz="1200">
+              <a:defRPr sz="403">
                 <a:solidFill>
                   <a:schemeClr val="tx1">
                     <a:tint val="75000"/>
@@ -3032,27 +3039,27 @@
     </p:spTree>
     <p:extLst>
       <p:ext uri="{BB962C8B-B14F-4D97-AF65-F5344CB8AC3E}">
-        <p14:creationId xmlns:p14="http://schemas.microsoft.com/office/powerpoint/2010/main" val="2339908521"/>
+        <p14:creationId xmlns:p14="http://schemas.microsoft.com/office/powerpoint/2010/main" val="1865648636"/>
       </p:ext>
     </p:extLst>
   </p:cSld>
   <p:clrMap bg1="lt1" tx1="dk1" bg2="lt2" tx2="dk2" accent1="accent1" accent2="accent2" accent3="accent3" accent4="accent4" accent5="accent5" accent6="accent6" hlink="hlink" folHlink="folHlink"/>
   <p:sldLayoutIdLst>
-    <p:sldLayoutId id="2147483649" r:id="rId1"/>
-    <p:sldLayoutId id="2147483650" r:id="rId2"/>
-    <p:sldLayoutId id="2147483651" r:id="rId3"/>
-    <p:sldLayoutId id="2147483652" r:id="rId4"/>
-    <p:sldLayoutId id="2147483653" r:id="rId5"/>
-    <p:sldLayoutId id="2147483654" r:id="rId6"/>
-    <p:sldLayoutId id="2147483655" r:id="rId7"/>
-    <p:sldLayoutId id="2147483656" r:id="rId8"/>
-    <p:sldLayoutId id="2147483657" r:id="rId9"/>
-    <p:sldLayoutId id="2147483658" r:id="rId10"/>
-    <p:sldLayoutId id="2147483659" r:id="rId11"/>
+    <p:sldLayoutId id="2147483661" r:id="rId1"/>
+    <p:sldLayoutId id="2147483662" r:id="rId2"/>
+    <p:sldLayoutId id="2147483663" r:id="rId3"/>
+    <p:sldLayoutId id="2147483664" r:id="rId4"/>
+    <p:sldLayoutId id="2147483665" r:id="rId5"/>
+    <p:sldLayoutId id="2147483666" r:id="rId6"/>
+    <p:sldLayoutId id="2147483667" r:id="rId7"/>
+    <p:sldLayoutId id="2147483668" r:id="rId8"/>
+    <p:sldLayoutId id="2147483669" r:id="rId9"/>
+    <p:sldLayoutId id="2147483670" r:id="rId10"/>
+    <p:sldLayoutId id="2147483671" r:id="rId11"/>
   </p:sldLayoutIdLst>
   <p:txStyles>
     <p:titleStyle>
-      <a:lvl1pPr algn="l" defTabSz="914400" rtl="0" eaLnBrk="1" latinLnBrk="0" hangingPunct="1">
+      <a:lvl1pPr algn="l" defTabSz="307147" rtl="0" eaLnBrk="1" latinLnBrk="0" hangingPunct="1">
         <a:lnSpc>
           <a:spcPct val="90000"/>
         </a:lnSpc>
@@ -3060,7 +3067,7 @@
           <a:spcPct val="0"/>
         </a:spcBef>
         <a:buNone/>
-        <a:defRPr sz="4400" kern="1200">
+        <a:defRPr sz="1478" kern="1200">
           <a:solidFill>
             <a:schemeClr val="tx1"/>
           </a:solidFill>
@@ -3071,16 +3078,16 @@
       </a:lvl1pPr>
     </p:titleStyle>
     <p:bodyStyle>
-      <a:lvl1pPr marL="228600" indent="-228600" algn="l" defTabSz="914400" rtl="0" eaLnBrk="1" latinLnBrk="0" hangingPunct="1">
+      <a:lvl1pPr marL="76787" indent="-76787" algn="l" defTabSz="307147" rtl="0" eaLnBrk="1" latinLnBrk="0" hangingPunct="1">
         <a:lnSpc>
           <a:spcPct val="90000"/>
         </a:lnSpc>
         <a:spcBef>
-          <a:spcPts val="1000"/>
+          <a:spcPts val="336"/>
         </a:spcBef>
         <a:buFont typeface="Arial" panose="020B0604020202020204" pitchFamily="34" charset="0"/>
         <a:buChar char="•"/>
-        <a:defRPr sz="2800" kern="1200">
+        <a:defRPr sz="941" kern="1200">
           <a:solidFill>
             <a:schemeClr val="tx1"/>
           </a:solidFill>
@@ -3089,16 +3096,16 @@
           <a:cs typeface="+mn-cs"/>
         </a:defRPr>
       </a:lvl1pPr>
-      <a:lvl2pPr marL="685800" indent="-228600" algn="l" defTabSz="914400" rtl="0" eaLnBrk="1" latinLnBrk="0" hangingPunct="1">
+      <a:lvl2pPr marL="230360" indent="-76787" algn="l" defTabSz="307147" rtl="0" eaLnBrk="1" latinLnBrk="0" hangingPunct="1">
         <a:lnSpc>
           <a:spcPct val="90000"/>
         </a:lnSpc>
         <a:spcBef>
-          <a:spcPts val="500"/>
+          <a:spcPts val="168"/>
         </a:spcBef>
         <a:buFont typeface="Arial" panose="020B0604020202020204" pitchFamily="34" charset="0"/>
         <a:buChar char="•"/>
-        <a:defRPr sz="2400" kern="1200">
+        <a:defRPr sz="806" kern="1200">
           <a:solidFill>
             <a:schemeClr val="tx1"/>
           </a:solidFill>
@@ -3107,16 +3114,16 @@
           <a:cs typeface="+mn-cs"/>
         </a:defRPr>
       </a:lvl2pPr>
-      <a:lvl3pPr marL="1143000" indent="-228600" algn="l" defTabSz="914400" rtl="0" eaLnBrk="1" latinLnBrk="0" hangingPunct="1">
+      <a:lvl3pPr marL="383934" indent="-76787" algn="l" defTabSz="307147" rtl="0" eaLnBrk="1" latinLnBrk="0" hangingPunct="1">
         <a:lnSpc>
           <a:spcPct val="90000"/>
         </a:lnSpc>
         <a:spcBef>
-          <a:spcPts val="500"/>
+          <a:spcPts val="168"/>
         </a:spcBef>
         <a:buFont typeface="Arial" panose="020B0604020202020204" pitchFamily="34" charset="0"/>
         <a:buChar char="•"/>
-        <a:defRPr sz="2000" kern="1200">
+        <a:defRPr sz="672" kern="1200">
           <a:solidFill>
             <a:schemeClr val="tx1"/>
           </a:solidFill>
@@ -3125,16 +3132,16 @@
           <a:cs typeface="+mn-cs"/>
         </a:defRPr>
       </a:lvl3pPr>
-      <a:lvl4pPr marL="1600200" indent="-228600" algn="l" defTabSz="914400" rtl="0" eaLnBrk="1" latinLnBrk="0" hangingPunct="1">
+      <a:lvl4pPr marL="537507" indent="-76787" algn="l" defTabSz="307147" rtl="0" eaLnBrk="1" latinLnBrk="0" hangingPunct="1">
         <a:lnSpc>
           <a:spcPct val="90000"/>
         </a:lnSpc>
         <a:spcBef>
-          <a:spcPts val="500"/>
+          <a:spcPts val="168"/>
         </a:spcBef>
         <a:buFont typeface="Arial" panose="020B0604020202020204" pitchFamily="34" charset="0"/>
         <a:buChar char="•"/>
-        <a:defRPr sz="1800" kern="1200">
+        <a:defRPr sz="605" kern="1200">
           <a:solidFill>
             <a:schemeClr val="tx1"/>
           </a:solidFill>
@@ -3143,16 +3150,16 @@
           <a:cs typeface="+mn-cs"/>
         </a:defRPr>
       </a:lvl4pPr>
-      <a:lvl5pPr marL="2057400" indent="-228600" algn="l" defTabSz="914400" rtl="0" eaLnBrk="1" latinLnBrk="0" hangingPunct="1">
+      <a:lvl5pPr marL="691081" indent="-76787" algn="l" defTabSz="307147" rtl="0" eaLnBrk="1" latinLnBrk="0" hangingPunct="1">
         <a:lnSpc>
           <a:spcPct val="90000"/>
         </a:lnSpc>
         <a:spcBef>
-          <a:spcPts val="500"/>
+          <a:spcPts val="168"/>
         </a:spcBef>
         <a:buFont typeface="Arial" panose="020B0604020202020204" pitchFamily="34" charset="0"/>
         <a:buChar char="•"/>
-        <a:defRPr sz="1800" kern="1200">
+        <a:defRPr sz="605" kern="1200">
           <a:solidFill>
             <a:schemeClr val="tx1"/>
           </a:solidFill>
@@ -3161,16 +3168,16 @@
           <a:cs typeface="+mn-cs"/>
         </a:defRPr>
       </a:lvl5pPr>
-      <a:lvl6pPr marL="2514600" indent="-228600" algn="l" defTabSz="914400" rtl="0" eaLnBrk="1" latinLnBrk="0" hangingPunct="1">
+      <a:lvl6pPr marL="844654" indent="-76787" algn="l" defTabSz="307147" rtl="0" eaLnBrk="1" latinLnBrk="0" hangingPunct="1">
         <a:lnSpc>
           <a:spcPct val="90000"/>
         </a:lnSpc>
         <a:spcBef>
-          <a:spcPts val="500"/>
+          <a:spcPts val="168"/>
         </a:spcBef>
         <a:buFont typeface="Arial" panose="020B0604020202020204" pitchFamily="34" charset="0"/>
         <a:buChar char="•"/>
-        <a:defRPr sz="1800" kern="1200">
+        <a:defRPr sz="605" kern="1200">
           <a:solidFill>
             <a:schemeClr val="tx1"/>
           </a:solidFill>
@@ -3179,16 +3186,16 @@
           <a:cs typeface="+mn-cs"/>
         </a:defRPr>
       </a:lvl6pPr>
-      <a:lvl7pPr marL="2971800" indent="-228600" algn="l" defTabSz="914400" rtl="0" eaLnBrk="1" latinLnBrk="0" hangingPunct="1">
+      <a:lvl7pPr marL="998228" indent="-76787" algn="l" defTabSz="307147" rtl="0" eaLnBrk="1" latinLnBrk="0" hangingPunct="1">
         <a:lnSpc>
           <a:spcPct val="90000"/>
         </a:lnSpc>
         <a:spcBef>
-          <a:spcPts val="500"/>
+          <a:spcPts val="168"/>
         </a:spcBef>
         <a:buFont typeface="Arial" panose="020B0604020202020204" pitchFamily="34" charset="0"/>
         <a:buChar char="•"/>
-        <a:defRPr sz="1800" kern="1200">
+        <a:defRPr sz="605" kern="1200">
           <a:solidFill>
             <a:schemeClr val="tx1"/>
           </a:solidFill>
@@ -3197,16 +3204,16 @@
           <a:cs typeface="+mn-cs"/>
         </a:defRPr>
       </a:lvl7pPr>
-      <a:lvl8pPr marL="3429000" indent="-228600" algn="l" defTabSz="914400" rtl="0" eaLnBrk="1" latinLnBrk="0" hangingPunct="1">
+      <a:lvl8pPr marL="1151801" indent="-76787" algn="l" defTabSz="307147" rtl="0" eaLnBrk="1" latinLnBrk="0" hangingPunct="1">
         <a:lnSpc>
           <a:spcPct val="90000"/>
         </a:lnSpc>
         <a:spcBef>
-          <a:spcPts val="500"/>
+          <a:spcPts val="168"/>
         </a:spcBef>
         <a:buFont typeface="Arial" panose="020B0604020202020204" pitchFamily="34" charset="0"/>
         <a:buChar char="•"/>
-        <a:defRPr sz="1800" kern="1200">
+        <a:defRPr sz="605" kern="1200">
           <a:solidFill>
             <a:schemeClr val="tx1"/>
           </a:solidFill>
@@ -3215,16 +3222,16 @@
           <a:cs typeface="+mn-cs"/>
         </a:defRPr>
       </a:lvl8pPr>
-      <a:lvl9pPr marL="3886200" indent="-228600" algn="l" defTabSz="914400" rtl="0" eaLnBrk="1" latinLnBrk="0" hangingPunct="1">
+      <a:lvl9pPr marL="1305375" indent="-76787" algn="l" defTabSz="307147" rtl="0" eaLnBrk="1" latinLnBrk="0" hangingPunct="1">
         <a:lnSpc>
           <a:spcPct val="90000"/>
         </a:lnSpc>
         <a:spcBef>
-          <a:spcPts val="500"/>
+          <a:spcPts val="168"/>
         </a:spcBef>
         <a:buFont typeface="Arial" panose="020B0604020202020204" pitchFamily="34" charset="0"/>
         <a:buChar char="•"/>
-        <a:defRPr sz="1800" kern="1200">
+        <a:defRPr sz="605" kern="1200">
           <a:solidFill>
             <a:schemeClr val="tx1"/>
           </a:solidFill>
@@ -3238,8 +3245,8 @@
       <a:defPPr>
         <a:defRPr lang="en-US"/>
       </a:defPPr>
-      <a:lvl1pPr marL="0" algn="l" defTabSz="914400" rtl="0" eaLnBrk="1" latinLnBrk="0" hangingPunct="1">
-        <a:defRPr sz="1800" kern="1200">
+      <a:lvl1pPr marL="0" algn="l" defTabSz="307147" rtl="0" eaLnBrk="1" latinLnBrk="0" hangingPunct="1">
+        <a:defRPr sz="605" kern="1200">
           <a:solidFill>
             <a:schemeClr val="tx1"/>
           </a:solidFill>
@@ -3248,8 +3255,8 @@
           <a:cs typeface="+mn-cs"/>
         </a:defRPr>
       </a:lvl1pPr>
-      <a:lvl2pPr marL="457200" algn="l" defTabSz="914400" rtl="0" eaLnBrk="1" latinLnBrk="0" hangingPunct="1">
-        <a:defRPr sz="1800" kern="1200">
+      <a:lvl2pPr marL="153573" algn="l" defTabSz="307147" rtl="0" eaLnBrk="1" latinLnBrk="0" hangingPunct="1">
+        <a:defRPr sz="605" kern="1200">
           <a:solidFill>
             <a:schemeClr val="tx1"/>
           </a:solidFill>
@@ -3258,8 +3265,8 @@
           <a:cs typeface="+mn-cs"/>
         </a:defRPr>
       </a:lvl2pPr>
-      <a:lvl3pPr marL="914400" algn="l" defTabSz="914400" rtl="0" eaLnBrk="1" latinLnBrk="0" hangingPunct="1">
-        <a:defRPr sz="1800" kern="1200">
+      <a:lvl3pPr marL="307147" algn="l" defTabSz="307147" rtl="0" eaLnBrk="1" latinLnBrk="0" hangingPunct="1">
+        <a:defRPr sz="605" kern="1200">
           <a:solidFill>
             <a:schemeClr val="tx1"/>
           </a:solidFill>
@@ -3268,8 +3275,8 @@
           <a:cs typeface="+mn-cs"/>
         </a:defRPr>
       </a:lvl3pPr>
-      <a:lvl4pPr marL="1371600" algn="l" defTabSz="914400" rtl="0" eaLnBrk="1" latinLnBrk="0" hangingPunct="1">
-        <a:defRPr sz="1800" kern="1200">
+      <a:lvl4pPr marL="460720" algn="l" defTabSz="307147" rtl="0" eaLnBrk="1" latinLnBrk="0" hangingPunct="1">
+        <a:defRPr sz="605" kern="1200">
           <a:solidFill>
             <a:schemeClr val="tx1"/>
           </a:solidFill>
@@ -3278,8 +3285,8 @@
           <a:cs typeface="+mn-cs"/>
         </a:defRPr>
       </a:lvl4pPr>
-      <a:lvl5pPr marL="1828800" algn="l" defTabSz="914400" rtl="0" eaLnBrk="1" latinLnBrk="0" hangingPunct="1">
-        <a:defRPr sz="1800" kern="1200">
+      <a:lvl5pPr marL="614294" algn="l" defTabSz="307147" rtl="0" eaLnBrk="1" latinLnBrk="0" hangingPunct="1">
+        <a:defRPr sz="605" kern="1200">
           <a:solidFill>
             <a:schemeClr val="tx1"/>
           </a:solidFill>
@@ -3288,8 +3295,8 @@
           <a:cs typeface="+mn-cs"/>
         </a:defRPr>
       </a:lvl5pPr>
-      <a:lvl6pPr marL="2286000" algn="l" defTabSz="914400" rtl="0" eaLnBrk="1" latinLnBrk="0" hangingPunct="1">
-        <a:defRPr sz="1800" kern="1200">
+      <a:lvl6pPr marL="767867" algn="l" defTabSz="307147" rtl="0" eaLnBrk="1" latinLnBrk="0" hangingPunct="1">
+        <a:defRPr sz="605" kern="1200">
           <a:solidFill>
             <a:schemeClr val="tx1"/>
           </a:solidFill>
@@ -3298,8 +3305,8 @@
           <a:cs typeface="+mn-cs"/>
         </a:defRPr>
       </a:lvl6pPr>
-      <a:lvl7pPr marL="2743200" algn="l" defTabSz="914400" rtl="0" eaLnBrk="1" latinLnBrk="0" hangingPunct="1">
-        <a:defRPr sz="1800" kern="1200">
+      <a:lvl7pPr marL="921441" algn="l" defTabSz="307147" rtl="0" eaLnBrk="1" latinLnBrk="0" hangingPunct="1">
+        <a:defRPr sz="605" kern="1200">
           <a:solidFill>
             <a:schemeClr val="tx1"/>
           </a:solidFill>
@@ -3308,8 +3315,8 @@
           <a:cs typeface="+mn-cs"/>
         </a:defRPr>
       </a:lvl7pPr>
-      <a:lvl8pPr marL="3200400" algn="l" defTabSz="914400" rtl="0" eaLnBrk="1" latinLnBrk="0" hangingPunct="1">
-        <a:defRPr sz="1800" kern="1200">
+      <a:lvl8pPr marL="1075014" algn="l" defTabSz="307147" rtl="0" eaLnBrk="1" latinLnBrk="0" hangingPunct="1">
+        <a:defRPr sz="605" kern="1200">
           <a:solidFill>
             <a:schemeClr val="tx1"/>
           </a:solidFill>
@@ -3318,8 +3325,8 @@
           <a:cs typeface="+mn-cs"/>
         </a:defRPr>
       </a:lvl8pPr>
-      <a:lvl9pPr marL="3657600" algn="l" defTabSz="914400" rtl="0" eaLnBrk="1" latinLnBrk="0" hangingPunct="1">
-        <a:defRPr sz="1800" kern="1200">
+      <a:lvl9pPr marL="1228588" algn="l" defTabSz="307147" rtl="0" eaLnBrk="1" latinLnBrk="0" hangingPunct="1">
+        <a:defRPr sz="605" kern="1200">
           <a:solidFill>
             <a:schemeClr val="tx1"/>
           </a:solidFill>
@@ -3378,8 +3385,8 @@
         </p:blipFill>
         <p:spPr>
           <a:xfrm>
-            <a:off x="4202495" y="2712480"/>
-            <a:ext cx="774016" cy="774016"/>
+            <a:off x="1391389" y="69722"/>
+            <a:ext cx="540896" cy="540895"/>
           </a:xfrm>
           <a:prstGeom prst="rect">
             <a:avLst/>
@@ -3414,8 +3421,8 @@
         </p:blipFill>
         <p:spPr>
           <a:xfrm>
-            <a:off x="5708992" y="2695136"/>
-            <a:ext cx="774016" cy="774016"/>
+            <a:off x="2444155" y="57602"/>
+            <a:ext cx="540896" cy="540895"/>
           </a:xfrm>
           <a:prstGeom prst="rect">
             <a:avLst/>
@@ -3450,8 +3457,8 @@
         </p:blipFill>
         <p:spPr>
           <a:xfrm>
-            <a:off x="4976511" y="4654155"/>
-            <a:ext cx="774016" cy="774016"/>
+            <a:off x="1932285" y="1426597"/>
+            <a:ext cx="540896" cy="540895"/>
           </a:xfrm>
           <a:prstGeom prst="rect">
             <a:avLst/>
@@ -3472,8 +3479,8 @@
         </p:nvSpPr>
         <p:spPr>
           <a:xfrm>
-            <a:off x="4832093" y="5424672"/>
-            <a:ext cx="1047082" cy="461665"/>
+            <a:off x="1772442" y="1965048"/>
+            <a:ext cx="849561" cy="381111"/>
           </a:xfrm>
           <a:prstGeom prst="rect">
             <a:avLst/>
@@ -3488,7 +3495,7 @@
           <a:p>
             <a:pPr algn="ctr"/>
             <a:r>
-              <a:rPr lang="en-US" sz="1200" b="1" dirty="0">
+              <a:rPr lang="en-US" sz="600" b="1" dirty="0">
                 <a:latin typeface="Helvetica" pitchFamily="2" charset="0"/>
               </a:rPr>
               <a:t>storage</a:t>
@@ -3497,7 +3504,7 @@
           <a:p>
             <a:pPr algn="ctr"/>
             <a:r>
-              <a:rPr lang="en-US" sz="1200" dirty="0">
+              <a:rPr lang="en-US" sz="600" dirty="0">
                 <a:latin typeface="Helvetica" pitchFamily="2" charset="0"/>
               </a:rPr>
               <a:t>(SMB share)</a:t>
@@ -3523,15 +3530,15 @@
         </p:nvCxnSpPr>
         <p:spPr>
           <a:xfrm rot="16200000" flipH="1">
-            <a:off x="4594766" y="3885402"/>
-            <a:ext cx="763490" cy="774015"/>
+            <a:off x="1623375" y="847239"/>
+            <a:ext cx="617818" cy="540897"/>
           </a:xfrm>
           <a:prstGeom prst="bentConnector3">
             <a:avLst>
               <a:gd name="adj1" fmla="val 50000"/>
             </a:avLst>
           </a:prstGeom>
-          <a:ln w="38100">
+          <a:ln w="28575">
             <a:solidFill>
               <a:schemeClr val="bg1">
                 <a:lumMod val="75000"/>
@@ -3575,15 +3582,15 @@
         </p:nvCxnSpPr>
         <p:spPr>
           <a:xfrm rot="5400000">
-            <a:off x="5357526" y="3874143"/>
-            <a:ext cx="786005" cy="774018"/>
+            <a:off x="2164273" y="847240"/>
+            <a:ext cx="617817" cy="540896"/>
           </a:xfrm>
           <a:prstGeom prst="bentConnector3">
             <a:avLst>
-              <a:gd name="adj1" fmla="val 51454"/>
+              <a:gd name="adj1" fmla="val 50000"/>
             </a:avLst>
           </a:prstGeom>
-          <a:ln w="38100">
+          <a:ln w="28575">
             <a:solidFill>
               <a:schemeClr val="bg1">
                 <a:lumMod val="75000"/>
@@ -3623,8 +3630,8 @@
         </p:nvSpPr>
         <p:spPr>
           <a:xfrm>
-            <a:off x="3870397" y="3429000"/>
-            <a:ext cx="1438214" cy="461665"/>
+            <a:off x="1100314" y="570440"/>
+            <a:ext cx="1123043" cy="381111"/>
           </a:xfrm>
           <a:prstGeom prst="rect">
             <a:avLst/>
@@ -3639,7 +3646,7 @@
           <a:p>
             <a:pPr algn="ctr"/>
             <a:r>
-              <a:rPr lang="en-US" sz="1200" b="1" dirty="0">
+              <a:rPr lang="en-US" sz="600" b="1" dirty="0">
                 <a:latin typeface="Helvetica" pitchFamily="2" charset="0"/>
               </a:rPr>
               <a:t>k3s master</a:t>
@@ -3648,7 +3655,7 @@
           <a:p>
             <a:pPr algn="ctr"/>
             <a:r>
-              <a:rPr lang="en-US" sz="1200" dirty="0">
+              <a:rPr lang="en-US" sz="600" dirty="0">
                 <a:latin typeface="Helvetica" pitchFamily="2" charset="0"/>
               </a:rPr>
               <a:t>(ingress and SSH)</a:t>
@@ -3670,8 +3677,8 @@
         </p:nvSpPr>
         <p:spPr>
           <a:xfrm>
-            <a:off x="5648460" y="3406485"/>
-            <a:ext cx="978153" cy="461665"/>
+            <a:off x="2342006" y="554705"/>
+            <a:ext cx="803245" cy="381111"/>
           </a:xfrm>
           <a:prstGeom prst="rect">
             <a:avLst/>
@@ -3686,7 +3693,7 @@
           <a:p>
             <a:pPr algn="ctr"/>
             <a:r>
-              <a:rPr lang="en-US" sz="1200" b="1" dirty="0">
+              <a:rPr lang="en-US" sz="600" b="1" dirty="0">
                 <a:latin typeface="Helvetica" pitchFamily="2" charset="0"/>
               </a:rPr>
               <a:t>k3s agents</a:t>
@@ -3695,7 +3702,7 @@
           <a:p>
             <a:pPr algn="ctr"/>
             <a:r>
-              <a:rPr lang="en-US" sz="1200" dirty="0">
+              <a:rPr lang="en-US" sz="600" dirty="0">
                 <a:latin typeface="Helvetica" pitchFamily="2" charset="0"/>
               </a:rPr>
               <a:t>(node pool)</a:t>
@@ -3717,8 +3724,8 @@
         </p:nvSpPr>
         <p:spPr>
           <a:xfrm>
-            <a:off x="5127046" y="4019153"/>
-            <a:ext cx="457176" cy="276999"/>
+            <a:off x="1975348" y="950967"/>
+            <a:ext cx="443748" cy="254074"/>
           </a:xfrm>
           <a:prstGeom prst="rect">
             <a:avLst/>
@@ -3733,18 +3740,18 @@
           <a:p>
             <a:pPr algn="ctr"/>
             <a:r>
-              <a:rPr lang="en-US" sz="1200" b="1" dirty="0">
+              <a:rPr lang="en-US" sz="600" b="1" dirty="0">
                 <a:latin typeface="Helvetica" pitchFamily="2" charset="0"/>
               </a:rPr>
               <a:t>/</a:t>
             </a:r>
             <a:r>
-              <a:rPr lang="en-US" sz="1200" b="1" dirty="0" err="1">
+              <a:rPr lang="en-US" sz="600" b="1" dirty="0" err="1">
                 <a:latin typeface="Helvetica" pitchFamily="2" charset="0"/>
               </a:rPr>
               <a:t>srv</a:t>
             </a:r>
-            <a:endParaRPr lang="en-US" sz="1200" b="1" dirty="0">
+            <a:endParaRPr lang="en-US" sz="600" b="1" dirty="0">
               <a:latin typeface="Helvetica" pitchFamily="2" charset="0"/>
             </a:endParaRPr>
           </a:p>
@@ -3766,7 +3773,7 @@
 <file path=ppt/theme/theme1.xml><?xml version="1.0" encoding="utf-8"?>
 <a:theme xmlns:a="http://schemas.openxmlformats.org/drawingml/2006/main" name="Office Theme">
   <a:themeElements>
-    <a:clrScheme name="Office">
+    <a:clrScheme name="Office Theme">
       <a:dk1>
         <a:sysClr val="windowText" lastClr="000000"/>
       </a:dk1>
@@ -3804,7 +3811,7 @@
         <a:srgbClr val="954F72"/>
       </a:folHlink>
     </a:clrScheme>
-    <a:fontScheme name="Office">
+    <a:fontScheme name="Office Theme">
       <a:majorFont>
         <a:latin typeface="Calibri Light" panose="020F0302020204030204"/>
         <a:ea typeface=""/>
@@ -3839,23 +3846,6 @@
         <a:font script="Viet" typeface="Times New Roman"/>
         <a:font script="Uigh" typeface="Microsoft Uighur"/>
         <a:font script="Geor" typeface="Sylfaen"/>
-        <a:font script="Armn" typeface="Arial"/>
-        <a:font script="Bugi" typeface="Leelawadee UI"/>
-        <a:font script="Bopo" typeface="Microsoft JhengHei"/>
-        <a:font script="Java" typeface="Javanese Text"/>
-        <a:font script="Lisu" typeface="Segoe UI"/>
-        <a:font script="Mymr" typeface="Myanmar Text"/>
-        <a:font script="Nkoo" typeface="Ebrima"/>
-        <a:font script="Olck" typeface="Nirmala UI"/>
-        <a:font script="Osma" typeface="Ebrima"/>
-        <a:font script="Phag" typeface="Phagspa"/>
-        <a:font script="Syrn" typeface="Estrangelo Edessa"/>
-        <a:font script="Syrj" typeface="Estrangelo Edessa"/>
-        <a:font script="Syre" typeface="Estrangelo Edessa"/>
-        <a:font script="Sora" typeface="Nirmala UI"/>
-        <a:font script="Tale" typeface="Microsoft Tai Le"/>
-        <a:font script="Talu" typeface="Microsoft New Tai Lue"/>
-        <a:font script="Tfng" typeface="Ebrima"/>
       </a:majorFont>
       <a:minorFont>
         <a:latin typeface="Calibri" panose="020F0502020204030204"/>
@@ -3891,26 +3881,9 @@
         <a:font script="Viet" typeface="Arial"/>
         <a:font script="Uigh" typeface="Microsoft Uighur"/>
         <a:font script="Geor" typeface="Sylfaen"/>
-        <a:font script="Armn" typeface="Arial"/>
-        <a:font script="Bugi" typeface="Leelawadee UI"/>
-        <a:font script="Bopo" typeface="Microsoft JhengHei"/>
-        <a:font script="Java" typeface="Javanese Text"/>
-        <a:font script="Lisu" typeface="Segoe UI"/>
-        <a:font script="Mymr" typeface="Myanmar Text"/>
-        <a:font script="Nkoo" typeface="Ebrima"/>
-        <a:font script="Olck" typeface="Nirmala UI"/>
-        <a:font script="Osma" typeface="Ebrima"/>
-        <a:font script="Phag" typeface="Phagspa"/>
-        <a:font script="Syrn" typeface="Estrangelo Edessa"/>
-        <a:font script="Syrj" typeface="Estrangelo Edessa"/>
-        <a:font script="Syre" typeface="Estrangelo Edessa"/>
-        <a:font script="Sora" typeface="Nirmala UI"/>
-        <a:font script="Tale" typeface="Microsoft Tai Le"/>
-        <a:font script="Talu" typeface="Microsoft New Tai Lue"/>
-        <a:font script="Tfng" typeface="Ebrima"/>
       </a:minorFont>
     </a:fontScheme>
-    <a:fmtScheme name="Office">
+    <a:fmtScheme name="Office Theme">
       <a:fillStyleLst>
         <a:solidFill>
           <a:schemeClr val="phClr"/>

--- a/images/diagram.pptx
+++ b/images/diagram.pptx
@@ -115,7 +115,7 @@
 <file path=ppt/revisionInfo.xml><?xml version="1.0" encoding="utf-8"?>
 <p1510:revInfo xmlns:a="http://schemas.openxmlformats.org/drawingml/2006/main" xmlns:r="http://schemas.openxmlformats.org/officeDocument/2006/relationships" xmlns:p1510="http://schemas.microsoft.com/office/powerpoint/2015/10/main">
   <p1510:revLst>
-    <p1510:client id="{CF693BBF-FC01-B84C-BFDB-8AE2BBFFD6B7}" v="3" dt="2019-08-12T16:34:34.535"/>
+    <p1510:client id="{CF693BBF-FC01-B84C-BFDB-8AE2BBFFD6B7}" v="4" dt="2019-08-12T16:39:38.329"/>
     <p1510:client id="{EFED77CC-D9D8-184A-B827-21C7A52B2E81}" v="1" dt="2019-08-12T16:25:46.867"/>
   </p1510:revLst>
 </p1510:revInfo>
@@ -126,18 +126,18 @@
   <pc:docChgLst>
     <pc:chgData name="Rui Carmo" userId="7080aa0822697cea" providerId="LiveId" clId="{CF693BBF-FC01-B84C-BFDB-8AE2BBFFD6B7}"/>
     <pc:docChg chg="modSld modMainMaster">
-      <pc:chgData name="Rui Carmo" userId="7080aa0822697cea" providerId="LiveId" clId="{CF693BBF-FC01-B84C-BFDB-8AE2BBFFD6B7}" dt="2019-08-12T16:34:44.703" v="39" actId="1582"/>
+      <pc:chgData name="Rui Carmo" userId="7080aa0822697cea" providerId="LiveId" clId="{CF693BBF-FC01-B84C-BFDB-8AE2BBFFD6B7}" dt="2019-08-12T16:39:38.329" v="40" actId="164"/>
       <pc:docMkLst>
         <pc:docMk/>
       </pc:docMkLst>
       <pc:sldChg chg="addSp delSp modSp">
-        <pc:chgData name="Rui Carmo" userId="7080aa0822697cea" providerId="LiveId" clId="{CF693BBF-FC01-B84C-BFDB-8AE2BBFFD6B7}" dt="2019-08-12T16:34:44.703" v="39" actId="1582"/>
+        <pc:chgData name="Rui Carmo" userId="7080aa0822697cea" providerId="LiveId" clId="{CF693BBF-FC01-B84C-BFDB-8AE2BBFFD6B7}" dt="2019-08-12T16:39:38.329" v="40" actId="164"/>
         <pc:sldMkLst>
           <pc:docMk/>
           <pc:sldMk cId="3359513546" sldId="256"/>
         </pc:sldMkLst>
         <pc:spChg chg="mod topLvl">
-          <ac:chgData name="Rui Carmo" userId="7080aa0822697cea" providerId="LiveId" clId="{CF693BBF-FC01-B84C-BFDB-8AE2BBFFD6B7}" dt="2019-08-12T16:34:34.535" v="38" actId="165"/>
+          <ac:chgData name="Rui Carmo" userId="7080aa0822697cea" providerId="LiveId" clId="{CF693BBF-FC01-B84C-BFDB-8AE2BBFFD6B7}" dt="2019-08-12T16:39:38.329" v="40" actId="164"/>
           <ac:spMkLst>
             <pc:docMk/>
             <pc:sldMk cId="3359513546" sldId="256"/>
@@ -145,7 +145,7 @@
           </ac:spMkLst>
         </pc:spChg>
         <pc:spChg chg="mod topLvl">
-          <ac:chgData name="Rui Carmo" userId="7080aa0822697cea" providerId="LiveId" clId="{CF693BBF-FC01-B84C-BFDB-8AE2BBFFD6B7}" dt="2019-08-12T16:34:34.535" v="38" actId="165"/>
+          <ac:chgData name="Rui Carmo" userId="7080aa0822697cea" providerId="LiveId" clId="{CF693BBF-FC01-B84C-BFDB-8AE2BBFFD6B7}" dt="2019-08-12T16:39:38.329" v="40" actId="164"/>
           <ac:spMkLst>
             <pc:docMk/>
             <pc:sldMk cId="3359513546" sldId="256"/>
@@ -153,7 +153,7 @@
           </ac:spMkLst>
         </pc:spChg>
         <pc:spChg chg="mod topLvl">
-          <ac:chgData name="Rui Carmo" userId="7080aa0822697cea" providerId="LiveId" clId="{CF693BBF-FC01-B84C-BFDB-8AE2BBFFD6B7}" dt="2019-08-12T16:34:34.535" v="38" actId="165"/>
+          <ac:chgData name="Rui Carmo" userId="7080aa0822697cea" providerId="LiveId" clId="{CF693BBF-FC01-B84C-BFDB-8AE2BBFFD6B7}" dt="2019-08-12T16:39:38.329" v="40" actId="164"/>
           <ac:spMkLst>
             <pc:docMk/>
             <pc:sldMk cId="3359513546" sldId="256"/>
@@ -161,13 +161,21 @@
           </ac:spMkLst>
         </pc:spChg>
         <pc:spChg chg="mod topLvl">
-          <ac:chgData name="Rui Carmo" userId="7080aa0822697cea" providerId="LiveId" clId="{CF693BBF-FC01-B84C-BFDB-8AE2BBFFD6B7}" dt="2019-08-12T16:34:34.535" v="38" actId="165"/>
+          <ac:chgData name="Rui Carmo" userId="7080aa0822697cea" providerId="LiveId" clId="{CF693BBF-FC01-B84C-BFDB-8AE2BBFFD6B7}" dt="2019-08-12T16:39:38.329" v="40" actId="164"/>
           <ac:spMkLst>
             <pc:docMk/>
             <pc:sldMk cId="3359513546" sldId="256"/>
             <ac:spMk id="27" creationId="{CC1C257C-B1B0-E84B-A862-EB5835E82C98}"/>
           </ac:spMkLst>
         </pc:spChg>
+        <pc:grpChg chg="add mod">
+          <ac:chgData name="Rui Carmo" userId="7080aa0822697cea" providerId="LiveId" clId="{CF693BBF-FC01-B84C-BFDB-8AE2BBFFD6B7}" dt="2019-08-12T16:39:38.329" v="40" actId="164"/>
+          <ac:grpSpMkLst>
+            <pc:docMk/>
+            <pc:sldMk cId="3359513546" sldId="256"/>
+            <ac:grpSpMk id="2" creationId="{6F6CE825-D577-F54C-933F-10878D86B190}"/>
+          </ac:grpSpMkLst>
+        </pc:grpChg>
         <pc:grpChg chg="add del mod">
           <ac:chgData name="Rui Carmo" userId="7080aa0822697cea" providerId="LiveId" clId="{CF693BBF-FC01-B84C-BFDB-8AE2BBFFD6B7}" dt="2019-08-12T16:34:34.535" v="38" actId="165"/>
           <ac:grpSpMkLst>
@@ -177,7 +185,7 @@
           </ac:grpSpMkLst>
         </pc:grpChg>
         <pc:picChg chg="mod topLvl">
-          <ac:chgData name="Rui Carmo" userId="7080aa0822697cea" providerId="LiveId" clId="{CF693BBF-FC01-B84C-BFDB-8AE2BBFFD6B7}" dt="2019-08-12T16:34:34.535" v="38" actId="165"/>
+          <ac:chgData name="Rui Carmo" userId="7080aa0822697cea" providerId="LiveId" clId="{CF693BBF-FC01-B84C-BFDB-8AE2BBFFD6B7}" dt="2019-08-12T16:39:38.329" v="40" actId="164"/>
           <ac:picMkLst>
             <pc:docMk/>
             <pc:sldMk cId="3359513546" sldId="256"/>
@@ -185,7 +193,7 @@
           </ac:picMkLst>
         </pc:picChg>
         <pc:picChg chg="mod topLvl">
-          <ac:chgData name="Rui Carmo" userId="7080aa0822697cea" providerId="LiveId" clId="{CF693BBF-FC01-B84C-BFDB-8AE2BBFFD6B7}" dt="2019-08-12T16:34:34.535" v="38" actId="165"/>
+          <ac:chgData name="Rui Carmo" userId="7080aa0822697cea" providerId="LiveId" clId="{CF693BBF-FC01-B84C-BFDB-8AE2BBFFD6B7}" dt="2019-08-12T16:39:38.329" v="40" actId="164"/>
           <ac:picMkLst>
             <pc:docMk/>
             <pc:sldMk cId="3359513546" sldId="256"/>
@@ -193,7 +201,7 @@
           </ac:picMkLst>
         </pc:picChg>
         <pc:picChg chg="mod topLvl">
-          <ac:chgData name="Rui Carmo" userId="7080aa0822697cea" providerId="LiveId" clId="{CF693BBF-FC01-B84C-BFDB-8AE2BBFFD6B7}" dt="2019-08-12T16:34:34.535" v="38" actId="165"/>
+          <ac:chgData name="Rui Carmo" userId="7080aa0822697cea" providerId="LiveId" clId="{CF693BBF-FC01-B84C-BFDB-8AE2BBFFD6B7}" dt="2019-08-12T16:39:38.329" v="40" actId="164"/>
           <ac:picMkLst>
             <pc:docMk/>
             <pc:sldMk cId="3359513546" sldId="256"/>
@@ -201,7 +209,7 @@
           </ac:picMkLst>
         </pc:picChg>
         <pc:cxnChg chg="mod topLvl">
-          <ac:chgData name="Rui Carmo" userId="7080aa0822697cea" providerId="LiveId" clId="{CF693BBF-FC01-B84C-BFDB-8AE2BBFFD6B7}" dt="2019-08-12T16:34:44.703" v="39" actId="1582"/>
+          <ac:chgData name="Rui Carmo" userId="7080aa0822697cea" providerId="LiveId" clId="{CF693BBF-FC01-B84C-BFDB-8AE2BBFFD6B7}" dt="2019-08-12T16:39:38.329" v="40" actId="164"/>
           <ac:cxnSpMkLst>
             <pc:docMk/>
             <pc:sldMk cId="3359513546" sldId="256"/>
@@ -209,7 +217,7 @@
           </ac:cxnSpMkLst>
         </pc:cxnChg>
         <pc:cxnChg chg="mod topLvl">
-          <ac:chgData name="Rui Carmo" userId="7080aa0822697cea" providerId="LiveId" clId="{CF693BBF-FC01-B84C-BFDB-8AE2BBFFD6B7}" dt="2019-08-12T16:34:44.703" v="39" actId="1582"/>
+          <ac:chgData name="Rui Carmo" userId="7080aa0822697cea" providerId="LiveId" clId="{CF693BBF-FC01-B84C-BFDB-8AE2BBFFD6B7}" dt="2019-08-12T16:39:38.329" v="40" actId="164"/>
           <ac:cxnSpMkLst>
             <pc:docMk/>
             <pc:sldMk cId="3359513546" sldId="256"/>
@@ -3357,406 +3365,427 @@
           <a:chExt cx="0" cy="0"/>
         </a:xfrm>
       </p:grpSpPr>
-      <p:pic>
-        <p:nvPicPr>
-          <p:cNvPr id="5" name="Graphic 4">
+      <p:grpSp>
+        <p:nvGrpSpPr>
+          <p:cNvPr id="2" name="Group 1">
             <a:extLst>
               <a:ext uri="{FF2B5EF4-FFF2-40B4-BE49-F238E27FC236}">
-                <a16:creationId xmlns:a16="http://schemas.microsoft.com/office/drawing/2014/main" id="{A52C33F0-A91D-4741-84C6-86AAC319EDFC}"/>
+                <a16:creationId xmlns:a16="http://schemas.microsoft.com/office/drawing/2014/main" id="{6F6CE825-D577-F54C-933F-10878D86B190}"/>
               </a:ext>
             </a:extLst>
           </p:cNvPr>
-          <p:cNvPicPr>
-            <a:picLocks noChangeAspect="1"/>
-          </p:cNvPicPr>
+          <p:cNvGrpSpPr/>
           <p:nvPr/>
-        </p:nvPicPr>
-        <p:blipFill>
-          <a:blip r:embed="rId2">
-            <a:extLst>
-              <a:ext uri="{96DAC541-7B7A-43D3-8B79-37D633B846F1}">
-                <asvg:svgBlip xmlns:asvg="http://schemas.microsoft.com/office/drawing/2016/SVG/main" r:embed="rId3"/>
-              </a:ext>
-            </a:extLst>
-          </a:blip>
-          <a:stretch>
-            <a:fillRect/>
-          </a:stretch>
-        </p:blipFill>
-        <p:spPr>
+        </p:nvGrpSpPr>
+        <p:grpSpPr>
           <a:xfrm>
-            <a:off x="1391389" y="69722"/>
-            <a:ext cx="540896" cy="540895"/>
+            <a:off x="1100314" y="57602"/>
+            <a:ext cx="2044937" cy="2288557"/>
+            <a:chOff x="1100314" y="57602"/>
+            <a:chExt cx="2044937" cy="2288557"/>
           </a:xfrm>
-          <a:prstGeom prst="rect">
-            <a:avLst/>
-          </a:prstGeom>
-        </p:spPr>
-      </p:pic>
-      <p:pic>
-        <p:nvPicPr>
-          <p:cNvPr id="7" name="Graphic 6">
-            <a:extLst>
-              <a:ext uri="{FF2B5EF4-FFF2-40B4-BE49-F238E27FC236}">
-                <a16:creationId xmlns:a16="http://schemas.microsoft.com/office/drawing/2014/main" id="{65921A7B-2353-6441-B9CB-2B7846A21ACF}"/>
-              </a:ext>
-            </a:extLst>
-          </p:cNvPr>
-          <p:cNvPicPr>
-            <a:picLocks noChangeAspect="1"/>
-          </p:cNvPicPr>
-          <p:nvPr/>
-        </p:nvPicPr>
-        <p:blipFill>
-          <a:blip r:embed="rId4">
-            <a:extLst>
-              <a:ext uri="{96DAC541-7B7A-43D3-8B79-37D633B846F1}">
-                <asvg:svgBlip xmlns:asvg="http://schemas.microsoft.com/office/drawing/2016/SVG/main" r:embed="rId5"/>
-              </a:ext>
-            </a:extLst>
-          </a:blip>
-          <a:stretch>
-            <a:fillRect/>
-          </a:stretch>
-        </p:blipFill>
-        <p:spPr>
-          <a:xfrm>
-            <a:off x="2444155" y="57602"/>
-            <a:ext cx="540896" cy="540895"/>
-          </a:xfrm>
-          <a:prstGeom prst="rect">
-            <a:avLst/>
-          </a:prstGeom>
-        </p:spPr>
-      </p:pic>
-      <p:pic>
-        <p:nvPicPr>
-          <p:cNvPr id="10" name="Graphic 9">
-            <a:extLst>
-              <a:ext uri="{FF2B5EF4-FFF2-40B4-BE49-F238E27FC236}">
-                <a16:creationId xmlns:a16="http://schemas.microsoft.com/office/drawing/2014/main" id="{0FC51846-F205-EC46-81C2-E2E85FC07880}"/>
-              </a:ext>
-            </a:extLst>
-          </p:cNvPr>
-          <p:cNvPicPr>
-            <a:picLocks noChangeAspect="1"/>
-          </p:cNvPicPr>
-          <p:nvPr/>
-        </p:nvPicPr>
-        <p:blipFill>
-          <a:blip r:embed="rId6">
-            <a:extLst>
-              <a:ext uri="{96DAC541-7B7A-43D3-8B79-37D633B846F1}">
-                <asvg:svgBlip xmlns:asvg="http://schemas.microsoft.com/office/drawing/2016/SVG/main" r:embed="rId7"/>
-              </a:ext>
-            </a:extLst>
-          </a:blip>
-          <a:stretch>
-            <a:fillRect/>
-          </a:stretch>
-        </p:blipFill>
-        <p:spPr>
-          <a:xfrm>
-            <a:off x="1932285" y="1426597"/>
-            <a:ext cx="540896" cy="540895"/>
-          </a:xfrm>
-          <a:prstGeom prst="rect">
-            <a:avLst/>
-          </a:prstGeom>
-        </p:spPr>
-      </p:pic>
-      <p:sp>
-        <p:nvSpPr>
-          <p:cNvPr id="11" name="TextBox 10">
-            <a:extLst>
-              <a:ext uri="{FF2B5EF4-FFF2-40B4-BE49-F238E27FC236}">
-                <a16:creationId xmlns:a16="http://schemas.microsoft.com/office/drawing/2014/main" id="{BD2B1356-919B-B941-90C8-58F6C1543CC5}"/>
-              </a:ext>
-            </a:extLst>
-          </p:cNvPr>
-          <p:cNvSpPr txBox="1"/>
-          <p:nvPr/>
-        </p:nvSpPr>
-        <p:spPr>
-          <a:xfrm>
-            <a:off x="1772442" y="1965048"/>
-            <a:ext cx="849561" cy="381111"/>
-          </a:xfrm>
-          <a:prstGeom prst="rect">
-            <a:avLst/>
-          </a:prstGeom>
-          <a:noFill/>
-        </p:spPr>
-        <p:txBody>
-          <a:bodyPr wrap="none" rtlCol="0">
-            <a:spAutoFit/>
-          </a:bodyPr>
-          <a:lstStyle/>
-          <a:p>
-            <a:pPr algn="ctr"/>
-            <a:r>
-              <a:rPr lang="en-US" sz="600" b="1" dirty="0">
+        </p:grpSpPr>
+        <p:pic>
+          <p:nvPicPr>
+            <p:cNvPr id="5" name="Graphic 4">
+              <a:extLst>
+                <a:ext uri="{FF2B5EF4-FFF2-40B4-BE49-F238E27FC236}">
+                  <a16:creationId xmlns:a16="http://schemas.microsoft.com/office/drawing/2014/main" id="{A52C33F0-A91D-4741-84C6-86AAC319EDFC}"/>
+                </a:ext>
+              </a:extLst>
+            </p:cNvPr>
+            <p:cNvPicPr>
+              <a:picLocks noChangeAspect="1"/>
+            </p:cNvPicPr>
+            <p:nvPr/>
+          </p:nvPicPr>
+          <p:blipFill>
+            <a:blip r:embed="rId2">
+              <a:extLst>
+                <a:ext uri="{96DAC541-7B7A-43D3-8B79-37D633B846F1}">
+                  <asvg:svgBlip xmlns:asvg="http://schemas.microsoft.com/office/drawing/2016/SVG/main" r:embed="rId3"/>
+                </a:ext>
+              </a:extLst>
+            </a:blip>
+            <a:stretch>
+              <a:fillRect/>
+            </a:stretch>
+          </p:blipFill>
+          <p:spPr>
+            <a:xfrm>
+              <a:off x="1391389" y="69722"/>
+              <a:ext cx="540896" cy="540895"/>
+            </a:xfrm>
+            <a:prstGeom prst="rect">
+              <a:avLst/>
+            </a:prstGeom>
+          </p:spPr>
+        </p:pic>
+        <p:pic>
+          <p:nvPicPr>
+            <p:cNvPr id="7" name="Graphic 6">
+              <a:extLst>
+                <a:ext uri="{FF2B5EF4-FFF2-40B4-BE49-F238E27FC236}">
+                  <a16:creationId xmlns:a16="http://schemas.microsoft.com/office/drawing/2014/main" id="{65921A7B-2353-6441-B9CB-2B7846A21ACF}"/>
+                </a:ext>
+              </a:extLst>
+            </p:cNvPr>
+            <p:cNvPicPr>
+              <a:picLocks noChangeAspect="1"/>
+            </p:cNvPicPr>
+            <p:nvPr/>
+          </p:nvPicPr>
+          <p:blipFill>
+            <a:blip r:embed="rId4">
+              <a:extLst>
+                <a:ext uri="{96DAC541-7B7A-43D3-8B79-37D633B846F1}">
+                  <asvg:svgBlip xmlns:asvg="http://schemas.microsoft.com/office/drawing/2016/SVG/main" r:embed="rId5"/>
+                </a:ext>
+              </a:extLst>
+            </a:blip>
+            <a:stretch>
+              <a:fillRect/>
+            </a:stretch>
+          </p:blipFill>
+          <p:spPr>
+            <a:xfrm>
+              <a:off x="2444155" y="57602"/>
+              <a:ext cx="540896" cy="540895"/>
+            </a:xfrm>
+            <a:prstGeom prst="rect">
+              <a:avLst/>
+            </a:prstGeom>
+          </p:spPr>
+        </p:pic>
+        <p:pic>
+          <p:nvPicPr>
+            <p:cNvPr id="10" name="Graphic 9">
+              <a:extLst>
+                <a:ext uri="{FF2B5EF4-FFF2-40B4-BE49-F238E27FC236}">
+                  <a16:creationId xmlns:a16="http://schemas.microsoft.com/office/drawing/2014/main" id="{0FC51846-F205-EC46-81C2-E2E85FC07880}"/>
+                </a:ext>
+              </a:extLst>
+            </p:cNvPr>
+            <p:cNvPicPr>
+              <a:picLocks noChangeAspect="1"/>
+            </p:cNvPicPr>
+            <p:nvPr/>
+          </p:nvPicPr>
+          <p:blipFill>
+            <a:blip r:embed="rId6">
+              <a:extLst>
+                <a:ext uri="{96DAC541-7B7A-43D3-8B79-37D633B846F1}">
+                  <asvg:svgBlip xmlns:asvg="http://schemas.microsoft.com/office/drawing/2016/SVG/main" r:embed="rId7"/>
+                </a:ext>
+              </a:extLst>
+            </a:blip>
+            <a:stretch>
+              <a:fillRect/>
+            </a:stretch>
+          </p:blipFill>
+          <p:spPr>
+            <a:xfrm>
+              <a:off x="1932285" y="1426597"/>
+              <a:ext cx="540896" cy="540895"/>
+            </a:xfrm>
+            <a:prstGeom prst="rect">
+              <a:avLst/>
+            </a:prstGeom>
+          </p:spPr>
+        </p:pic>
+        <p:sp>
+          <p:nvSpPr>
+            <p:cNvPr id="11" name="TextBox 10">
+              <a:extLst>
+                <a:ext uri="{FF2B5EF4-FFF2-40B4-BE49-F238E27FC236}">
+                  <a16:creationId xmlns:a16="http://schemas.microsoft.com/office/drawing/2014/main" id="{BD2B1356-919B-B941-90C8-58F6C1543CC5}"/>
+                </a:ext>
+              </a:extLst>
+            </p:cNvPr>
+            <p:cNvSpPr txBox="1"/>
+            <p:nvPr/>
+          </p:nvSpPr>
+          <p:spPr>
+            <a:xfrm>
+              <a:off x="1772442" y="1965048"/>
+              <a:ext cx="849561" cy="381111"/>
+            </a:xfrm>
+            <a:prstGeom prst="rect">
+              <a:avLst/>
+            </a:prstGeom>
+            <a:noFill/>
+          </p:spPr>
+          <p:txBody>
+            <a:bodyPr wrap="none" rtlCol="0">
+              <a:spAutoFit/>
+            </a:bodyPr>
+            <a:lstStyle/>
+            <a:p>
+              <a:pPr algn="ctr"/>
+              <a:r>
+                <a:rPr lang="en-US" sz="600" b="1" dirty="0">
+                  <a:latin typeface="Helvetica" pitchFamily="2" charset="0"/>
+                </a:rPr>
+                <a:t>storage</a:t>
+              </a:r>
+            </a:p>
+            <a:p>
+              <a:pPr algn="ctr"/>
+              <a:r>
+                <a:rPr lang="en-US" sz="600" dirty="0">
+                  <a:latin typeface="Helvetica" pitchFamily="2" charset="0"/>
+                </a:rPr>
+                <a:t>(SMB share)</a:t>
+              </a:r>
+            </a:p>
+          </p:txBody>
+        </p:sp>
+        <p:cxnSp>
+          <p:nvCxnSpPr>
+            <p:cNvPr id="14" name="Elbow Connector 13">
+              <a:extLst>
+                <a:ext uri="{FF2B5EF4-FFF2-40B4-BE49-F238E27FC236}">
+                  <a16:creationId xmlns:a16="http://schemas.microsoft.com/office/drawing/2014/main" id="{F1663D1B-DAC0-D74A-8948-AC057A7913AF}"/>
+                </a:ext>
+              </a:extLst>
+            </p:cNvPr>
+            <p:cNvCxnSpPr>
+              <a:cxnSpLocks/>
+              <a:stCxn id="12" idx="2"/>
+              <a:endCxn id="10" idx="0"/>
+            </p:cNvCxnSpPr>
+            <p:nvPr/>
+          </p:nvCxnSpPr>
+          <p:spPr>
+            <a:xfrm rot="16200000" flipH="1">
+              <a:off x="1623375" y="847239"/>
+              <a:ext cx="617818" cy="540897"/>
+            </a:xfrm>
+            <a:prstGeom prst="bentConnector3">
+              <a:avLst>
+                <a:gd name="adj1" fmla="val 50000"/>
+              </a:avLst>
+            </a:prstGeom>
+            <a:ln w="28575">
+              <a:solidFill>
+                <a:schemeClr val="bg1">
+                  <a:lumMod val="75000"/>
+                </a:schemeClr>
+              </a:solidFill>
+              <a:prstDash val="solid"/>
+              <a:headEnd type="triangle"/>
+              <a:tailEnd type="triangle"/>
+            </a:ln>
+          </p:spPr>
+          <p:style>
+            <a:lnRef idx="1">
+              <a:schemeClr val="accent1"/>
+            </a:lnRef>
+            <a:fillRef idx="0">
+              <a:schemeClr val="accent1"/>
+            </a:fillRef>
+            <a:effectRef idx="0">
+              <a:schemeClr val="accent1"/>
+            </a:effectRef>
+            <a:fontRef idx="minor">
+              <a:schemeClr val="tx1"/>
+            </a:fontRef>
+          </p:style>
+        </p:cxnSp>
+        <p:cxnSp>
+          <p:nvCxnSpPr>
+            <p:cNvPr id="17" name="Elbow Connector 16">
+              <a:extLst>
+                <a:ext uri="{FF2B5EF4-FFF2-40B4-BE49-F238E27FC236}">
+                  <a16:creationId xmlns:a16="http://schemas.microsoft.com/office/drawing/2014/main" id="{FE3B7F45-9F5F-A54C-B729-D5C2D6BD6C76}"/>
+                </a:ext>
+              </a:extLst>
+            </p:cNvPr>
+            <p:cNvCxnSpPr>
+              <a:cxnSpLocks/>
+              <a:stCxn id="13" idx="2"/>
+              <a:endCxn id="10" idx="0"/>
+            </p:cNvCxnSpPr>
+            <p:nvPr/>
+          </p:nvCxnSpPr>
+          <p:spPr>
+            <a:xfrm rot="5400000">
+              <a:off x="2164273" y="847240"/>
+              <a:ext cx="617817" cy="540896"/>
+            </a:xfrm>
+            <a:prstGeom prst="bentConnector3">
+              <a:avLst>
+                <a:gd name="adj1" fmla="val 50000"/>
+              </a:avLst>
+            </a:prstGeom>
+            <a:ln w="28575">
+              <a:solidFill>
+                <a:schemeClr val="bg1">
+                  <a:lumMod val="75000"/>
+                </a:schemeClr>
+              </a:solidFill>
+              <a:prstDash val="solid"/>
+              <a:headEnd type="triangle"/>
+              <a:tailEnd type="triangle"/>
+            </a:ln>
+          </p:spPr>
+          <p:style>
+            <a:lnRef idx="1">
+              <a:schemeClr val="accent1"/>
+            </a:lnRef>
+            <a:fillRef idx="0">
+              <a:schemeClr val="accent1"/>
+            </a:fillRef>
+            <a:effectRef idx="0">
+              <a:schemeClr val="accent1"/>
+            </a:effectRef>
+            <a:fontRef idx="minor">
+              <a:schemeClr val="tx1"/>
+            </a:fontRef>
+          </p:style>
+        </p:cxnSp>
+        <p:sp>
+          <p:nvSpPr>
+            <p:cNvPr id="12" name="TextBox 11">
+              <a:extLst>
+                <a:ext uri="{FF2B5EF4-FFF2-40B4-BE49-F238E27FC236}">
+                  <a16:creationId xmlns:a16="http://schemas.microsoft.com/office/drawing/2014/main" id="{5991BB6B-EAB2-F148-9290-EC247DB7CD10}"/>
+                </a:ext>
+              </a:extLst>
+            </p:cNvPr>
+            <p:cNvSpPr txBox="1"/>
+            <p:nvPr/>
+          </p:nvSpPr>
+          <p:spPr>
+            <a:xfrm>
+              <a:off x="1100314" y="570440"/>
+              <a:ext cx="1123043" cy="381111"/>
+            </a:xfrm>
+            <a:prstGeom prst="rect">
+              <a:avLst/>
+            </a:prstGeom>
+            <a:noFill/>
+          </p:spPr>
+          <p:txBody>
+            <a:bodyPr wrap="none" rtlCol="0">
+              <a:spAutoFit/>
+            </a:bodyPr>
+            <a:lstStyle/>
+            <a:p>
+              <a:pPr algn="ctr"/>
+              <a:r>
+                <a:rPr lang="en-US" sz="600" b="1" dirty="0">
+                  <a:latin typeface="Helvetica" pitchFamily="2" charset="0"/>
+                </a:rPr>
+                <a:t>k3s master</a:t>
+              </a:r>
+            </a:p>
+            <a:p>
+              <a:pPr algn="ctr"/>
+              <a:r>
+                <a:rPr lang="en-US" sz="600" dirty="0">
+                  <a:latin typeface="Helvetica" pitchFamily="2" charset="0"/>
+                </a:rPr>
+                <a:t>(ingress and SSH)</a:t>
+              </a:r>
+            </a:p>
+          </p:txBody>
+        </p:sp>
+        <p:sp>
+          <p:nvSpPr>
+            <p:cNvPr id="13" name="TextBox 12">
+              <a:extLst>
+                <a:ext uri="{FF2B5EF4-FFF2-40B4-BE49-F238E27FC236}">
+                  <a16:creationId xmlns:a16="http://schemas.microsoft.com/office/drawing/2014/main" id="{66B630DD-2078-A348-8418-2DB00B9C8CB7}"/>
+                </a:ext>
+              </a:extLst>
+            </p:cNvPr>
+            <p:cNvSpPr txBox="1"/>
+            <p:nvPr/>
+          </p:nvSpPr>
+          <p:spPr>
+            <a:xfrm>
+              <a:off x="2342006" y="554705"/>
+              <a:ext cx="803245" cy="381111"/>
+            </a:xfrm>
+            <a:prstGeom prst="rect">
+              <a:avLst/>
+            </a:prstGeom>
+            <a:noFill/>
+          </p:spPr>
+          <p:txBody>
+            <a:bodyPr wrap="none" rtlCol="0">
+              <a:spAutoFit/>
+            </a:bodyPr>
+            <a:lstStyle/>
+            <a:p>
+              <a:pPr algn="ctr"/>
+              <a:r>
+                <a:rPr lang="en-US" sz="600" b="1" dirty="0">
+                  <a:latin typeface="Helvetica" pitchFamily="2" charset="0"/>
+                </a:rPr>
+                <a:t>k3s agents</a:t>
+              </a:r>
+            </a:p>
+            <a:p>
+              <a:pPr algn="ctr"/>
+              <a:r>
+                <a:rPr lang="en-US" sz="600" dirty="0">
+                  <a:latin typeface="Helvetica" pitchFamily="2" charset="0"/>
+                </a:rPr>
+                <a:t>(node pool)</a:t>
+              </a:r>
+            </a:p>
+          </p:txBody>
+        </p:sp>
+        <p:sp>
+          <p:nvSpPr>
+            <p:cNvPr id="27" name="TextBox 26">
+              <a:extLst>
+                <a:ext uri="{FF2B5EF4-FFF2-40B4-BE49-F238E27FC236}">
+                  <a16:creationId xmlns:a16="http://schemas.microsoft.com/office/drawing/2014/main" id="{CC1C257C-B1B0-E84B-A862-EB5835E82C98}"/>
+                </a:ext>
+              </a:extLst>
+            </p:cNvPr>
+            <p:cNvSpPr txBox="1"/>
+            <p:nvPr/>
+          </p:nvSpPr>
+          <p:spPr>
+            <a:xfrm>
+              <a:off x="1975348" y="950967"/>
+              <a:ext cx="443748" cy="254074"/>
+            </a:xfrm>
+            <a:prstGeom prst="rect">
+              <a:avLst/>
+            </a:prstGeom>
+            <a:noFill/>
+          </p:spPr>
+          <p:txBody>
+            <a:bodyPr wrap="none" rtlCol="0">
+              <a:spAutoFit/>
+            </a:bodyPr>
+            <a:lstStyle/>
+            <a:p>
+              <a:pPr algn="ctr"/>
+              <a:r>
+                <a:rPr lang="en-US" sz="600" b="1" dirty="0">
+                  <a:latin typeface="Helvetica" pitchFamily="2" charset="0"/>
+                </a:rPr>
+                <a:t>/</a:t>
+              </a:r>
+              <a:r>
+                <a:rPr lang="en-US" sz="600" b="1" dirty="0" err="1">
+                  <a:latin typeface="Helvetica" pitchFamily="2" charset="0"/>
+                </a:rPr>
+                <a:t>srv</a:t>
+              </a:r>
+              <a:endParaRPr lang="en-US" sz="600" b="1" dirty="0">
                 <a:latin typeface="Helvetica" pitchFamily="2" charset="0"/>
-              </a:rPr>
-              <a:t>storage</a:t>
-            </a:r>
-          </a:p>
-          <a:p>
-            <a:pPr algn="ctr"/>
-            <a:r>
-              <a:rPr lang="en-US" sz="600" dirty="0">
-                <a:latin typeface="Helvetica" pitchFamily="2" charset="0"/>
-              </a:rPr>
-              <a:t>(SMB share)</a:t>
-            </a:r>
-          </a:p>
-        </p:txBody>
-      </p:sp>
-      <p:cxnSp>
-        <p:nvCxnSpPr>
-          <p:cNvPr id="14" name="Elbow Connector 13">
-            <a:extLst>
-              <a:ext uri="{FF2B5EF4-FFF2-40B4-BE49-F238E27FC236}">
-                <a16:creationId xmlns:a16="http://schemas.microsoft.com/office/drawing/2014/main" id="{F1663D1B-DAC0-D74A-8948-AC057A7913AF}"/>
-              </a:ext>
-            </a:extLst>
-          </p:cNvPr>
-          <p:cNvCxnSpPr>
-            <a:cxnSpLocks/>
-            <a:stCxn id="12" idx="2"/>
-            <a:endCxn id="10" idx="0"/>
-          </p:cNvCxnSpPr>
-          <p:nvPr/>
-        </p:nvCxnSpPr>
-        <p:spPr>
-          <a:xfrm rot="16200000" flipH="1">
-            <a:off x="1623375" y="847239"/>
-            <a:ext cx="617818" cy="540897"/>
-          </a:xfrm>
-          <a:prstGeom prst="bentConnector3">
-            <a:avLst>
-              <a:gd name="adj1" fmla="val 50000"/>
-            </a:avLst>
-          </a:prstGeom>
-          <a:ln w="28575">
-            <a:solidFill>
-              <a:schemeClr val="bg1">
-                <a:lumMod val="75000"/>
-              </a:schemeClr>
-            </a:solidFill>
-            <a:prstDash val="solid"/>
-            <a:headEnd type="triangle"/>
-            <a:tailEnd type="triangle"/>
-          </a:ln>
-        </p:spPr>
-        <p:style>
-          <a:lnRef idx="1">
-            <a:schemeClr val="accent1"/>
-          </a:lnRef>
-          <a:fillRef idx="0">
-            <a:schemeClr val="accent1"/>
-          </a:fillRef>
-          <a:effectRef idx="0">
-            <a:schemeClr val="accent1"/>
-          </a:effectRef>
-          <a:fontRef idx="minor">
-            <a:schemeClr val="tx1"/>
-          </a:fontRef>
-        </p:style>
-      </p:cxnSp>
-      <p:cxnSp>
-        <p:nvCxnSpPr>
-          <p:cNvPr id="17" name="Elbow Connector 16">
-            <a:extLst>
-              <a:ext uri="{FF2B5EF4-FFF2-40B4-BE49-F238E27FC236}">
-                <a16:creationId xmlns:a16="http://schemas.microsoft.com/office/drawing/2014/main" id="{FE3B7F45-9F5F-A54C-B729-D5C2D6BD6C76}"/>
-              </a:ext>
-            </a:extLst>
-          </p:cNvPr>
-          <p:cNvCxnSpPr>
-            <a:cxnSpLocks/>
-            <a:stCxn id="13" idx="2"/>
-            <a:endCxn id="10" idx="0"/>
-          </p:cNvCxnSpPr>
-          <p:nvPr/>
-        </p:nvCxnSpPr>
-        <p:spPr>
-          <a:xfrm rot="5400000">
-            <a:off x="2164273" y="847240"/>
-            <a:ext cx="617817" cy="540896"/>
-          </a:xfrm>
-          <a:prstGeom prst="bentConnector3">
-            <a:avLst>
-              <a:gd name="adj1" fmla="val 50000"/>
-            </a:avLst>
-          </a:prstGeom>
-          <a:ln w="28575">
-            <a:solidFill>
-              <a:schemeClr val="bg1">
-                <a:lumMod val="75000"/>
-              </a:schemeClr>
-            </a:solidFill>
-            <a:prstDash val="solid"/>
-            <a:headEnd type="triangle"/>
-            <a:tailEnd type="triangle"/>
-          </a:ln>
-        </p:spPr>
-        <p:style>
-          <a:lnRef idx="1">
-            <a:schemeClr val="accent1"/>
-          </a:lnRef>
-          <a:fillRef idx="0">
-            <a:schemeClr val="accent1"/>
-          </a:fillRef>
-          <a:effectRef idx="0">
-            <a:schemeClr val="accent1"/>
-          </a:effectRef>
-          <a:fontRef idx="minor">
-            <a:schemeClr val="tx1"/>
-          </a:fontRef>
-        </p:style>
-      </p:cxnSp>
-      <p:sp>
-        <p:nvSpPr>
-          <p:cNvPr id="12" name="TextBox 11">
-            <a:extLst>
-              <a:ext uri="{FF2B5EF4-FFF2-40B4-BE49-F238E27FC236}">
-                <a16:creationId xmlns:a16="http://schemas.microsoft.com/office/drawing/2014/main" id="{5991BB6B-EAB2-F148-9290-EC247DB7CD10}"/>
-              </a:ext>
-            </a:extLst>
-          </p:cNvPr>
-          <p:cNvSpPr txBox="1"/>
-          <p:nvPr/>
-        </p:nvSpPr>
-        <p:spPr>
-          <a:xfrm>
-            <a:off x="1100314" y="570440"/>
-            <a:ext cx="1123043" cy="381111"/>
-          </a:xfrm>
-          <a:prstGeom prst="rect">
-            <a:avLst/>
-          </a:prstGeom>
-          <a:noFill/>
-        </p:spPr>
-        <p:txBody>
-          <a:bodyPr wrap="none" rtlCol="0">
-            <a:spAutoFit/>
-          </a:bodyPr>
-          <a:lstStyle/>
-          <a:p>
-            <a:pPr algn="ctr"/>
-            <a:r>
-              <a:rPr lang="en-US" sz="600" b="1" dirty="0">
-                <a:latin typeface="Helvetica" pitchFamily="2" charset="0"/>
-              </a:rPr>
-              <a:t>k3s master</a:t>
-            </a:r>
-          </a:p>
-          <a:p>
-            <a:pPr algn="ctr"/>
-            <a:r>
-              <a:rPr lang="en-US" sz="600" dirty="0">
-                <a:latin typeface="Helvetica" pitchFamily="2" charset="0"/>
-              </a:rPr>
-              <a:t>(ingress and SSH)</a:t>
-            </a:r>
-          </a:p>
-        </p:txBody>
-      </p:sp>
-      <p:sp>
-        <p:nvSpPr>
-          <p:cNvPr id="13" name="TextBox 12">
-            <a:extLst>
-              <a:ext uri="{FF2B5EF4-FFF2-40B4-BE49-F238E27FC236}">
-                <a16:creationId xmlns:a16="http://schemas.microsoft.com/office/drawing/2014/main" id="{66B630DD-2078-A348-8418-2DB00B9C8CB7}"/>
-              </a:ext>
-            </a:extLst>
-          </p:cNvPr>
-          <p:cNvSpPr txBox="1"/>
-          <p:nvPr/>
-        </p:nvSpPr>
-        <p:spPr>
-          <a:xfrm>
-            <a:off x="2342006" y="554705"/>
-            <a:ext cx="803245" cy="381111"/>
-          </a:xfrm>
-          <a:prstGeom prst="rect">
-            <a:avLst/>
-          </a:prstGeom>
-          <a:noFill/>
-        </p:spPr>
-        <p:txBody>
-          <a:bodyPr wrap="none" rtlCol="0">
-            <a:spAutoFit/>
-          </a:bodyPr>
-          <a:lstStyle/>
-          <a:p>
-            <a:pPr algn="ctr"/>
-            <a:r>
-              <a:rPr lang="en-US" sz="600" b="1" dirty="0">
-                <a:latin typeface="Helvetica" pitchFamily="2" charset="0"/>
-              </a:rPr>
-              <a:t>k3s agents</a:t>
-            </a:r>
-          </a:p>
-          <a:p>
-            <a:pPr algn="ctr"/>
-            <a:r>
-              <a:rPr lang="en-US" sz="600" dirty="0">
-                <a:latin typeface="Helvetica" pitchFamily="2" charset="0"/>
-              </a:rPr>
-              <a:t>(node pool)</a:t>
-            </a:r>
-          </a:p>
-        </p:txBody>
-      </p:sp>
-      <p:sp>
-        <p:nvSpPr>
-          <p:cNvPr id="27" name="TextBox 26">
-            <a:extLst>
-              <a:ext uri="{FF2B5EF4-FFF2-40B4-BE49-F238E27FC236}">
-                <a16:creationId xmlns:a16="http://schemas.microsoft.com/office/drawing/2014/main" id="{CC1C257C-B1B0-E84B-A862-EB5835E82C98}"/>
-              </a:ext>
-            </a:extLst>
-          </p:cNvPr>
-          <p:cNvSpPr txBox="1"/>
-          <p:nvPr/>
-        </p:nvSpPr>
-        <p:spPr>
-          <a:xfrm>
-            <a:off x="1975348" y="950967"/>
-            <a:ext cx="443748" cy="254074"/>
-          </a:xfrm>
-          <a:prstGeom prst="rect">
-            <a:avLst/>
-          </a:prstGeom>
-          <a:noFill/>
-        </p:spPr>
-        <p:txBody>
-          <a:bodyPr wrap="none" rtlCol="0">
-            <a:spAutoFit/>
-          </a:bodyPr>
-          <a:lstStyle/>
-          <a:p>
-            <a:pPr algn="ctr"/>
-            <a:r>
-              <a:rPr lang="en-US" sz="600" b="1" dirty="0">
-                <a:latin typeface="Helvetica" pitchFamily="2" charset="0"/>
-              </a:rPr>
-              <a:t>/</a:t>
-            </a:r>
-            <a:r>
-              <a:rPr lang="en-US" sz="600" b="1" dirty="0" err="1">
-                <a:latin typeface="Helvetica" pitchFamily="2" charset="0"/>
-              </a:rPr>
-              <a:t>srv</a:t>
-            </a:r>
-            <a:endParaRPr lang="en-US" sz="600" b="1" dirty="0">
-              <a:latin typeface="Helvetica" pitchFamily="2" charset="0"/>
-            </a:endParaRPr>
-          </a:p>
-        </p:txBody>
-      </p:sp>
+              </a:endParaRPr>
+            </a:p>
+          </p:txBody>
+        </p:sp>
+      </p:grpSp>
     </p:spTree>
     <p:extLst>
       <p:ext uri="{BB962C8B-B14F-4D97-AF65-F5344CB8AC3E}">
